--- a/2020/8月.pptx
+++ b/2020/8月.pptx
@@ -3,13 +3,17 @@
 <p:presentation xmlns:a="http://schemas.openxmlformats.org/drawingml/2006/main" xmlns:r="http://schemas.openxmlformats.org/officeDocument/2006/relationships" xmlns:p="http://schemas.openxmlformats.org/presentationml/2006/main" saveSubsetFonts="1">
   <p:sldMasterIdLst>
     <p:sldMasterId id="2147483648" r:id="rId1"/>
+    <p:sldMasterId id="2147483660" r:id="rId2"/>
   </p:sldMasterIdLst>
   <p:sldIdLst>
-    <p:sldId id="256" r:id="rId2"/>
-    <p:sldId id="257" r:id="rId3"/>
-    <p:sldId id="258" r:id="rId4"/>
-    <p:sldId id="260" r:id="rId5"/>
-    <p:sldId id="259" r:id="rId6"/>
+    <p:sldId id="256" r:id="rId3"/>
+    <p:sldId id="257" r:id="rId4"/>
+    <p:sldId id="258" r:id="rId5"/>
+    <p:sldId id="260" r:id="rId6"/>
+    <p:sldId id="259" r:id="rId7"/>
+    <p:sldId id="261" r:id="rId8"/>
+    <p:sldId id="262" r:id="rId9"/>
+    <p:sldId id="263" r:id="rId10"/>
   </p:sldIdLst>
   <p:sldSz cx="12192000" cy="6858000"/>
   <p:notesSz cx="6858000" cy="9144000"/>
@@ -110,7 +114,7 @@
   </p:defaultTextStyle>
   <p:extLst>
     <p:ext uri="{EFAFB233-063F-42B5-8137-9DF3F51BA10A}">
-      <p15:sldGuideLst xmlns:p15="http://schemas.microsoft.com/office/powerpoint/2012/main">
+      <p15:sldGuideLst xmlns:p15="http://schemas.microsoft.com/office/powerpoint/2012/main" xmlns="">
         <p15:guide id="1" orient="horz" pos="2160" userDrawn="1">
           <p15:clr>
             <a:srgbClr val="A4A3A4"/>
@@ -308,7 +312,8 @@
           <a:p>
             <a:fld id="{E54F3484-B03C-4C27-B53A-08BBCD0F965D}" type="datetimeFigureOut">
               <a:rPr lang="zh-TW" altLang="en-US" smtClean="0"/>
-              <a:t>2020/6/13</a:t>
+              <a:pPr/>
+              <a:t>2020/8/2</a:t>
             </a:fld>
             <a:endParaRPr lang="zh-TW" altLang="en-US"/>
           </a:p>
@@ -350,6 +355,7 @@
           <a:p>
             <a:fld id="{FE8BB367-45BD-47CD-AFF1-8196ABE895B5}" type="slidenum">
               <a:rPr lang="zh-TW" altLang="en-US" smtClean="0"/>
+              <a:pPr/>
               <a:t>‹#›</a:t>
             </a:fld>
             <a:endParaRPr lang="zh-TW" altLang="en-US"/>
@@ -359,7 +365,7 @@
     </p:spTree>
     <p:extLst>
       <p:ext uri="{BB962C8B-B14F-4D97-AF65-F5344CB8AC3E}">
-        <p14:creationId xmlns:p14="http://schemas.microsoft.com/office/powerpoint/2010/main" val="2570791382"/>
+        <p14:creationId xmlns:p14="http://schemas.microsoft.com/office/powerpoint/2010/main" xmlns="" val="2570791382"/>
       </p:ext>
     </p:extLst>
   </p:cSld>
@@ -478,7 +484,8 @@
           <a:p>
             <a:fld id="{E54F3484-B03C-4C27-B53A-08BBCD0F965D}" type="datetimeFigureOut">
               <a:rPr lang="zh-TW" altLang="en-US" smtClean="0"/>
-              <a:t>2020/6/13</a:t>
+              <a:pPr/>
+              <a:t>2020/8/2</a:t>
             </a:fld>
             <a:endParaRPr lang="zh-TW" altLang="en-US"/>
           </a:p>
@@ -520,6 +527,7 @@
           <a:p>
             <a:fld id="{FE8BB367-45BD-47CD-AFF1-8196ABE895B5}" type="slidenum">
               <a:rPr lang="zh-TW" altLang="en-US" smtClean="0"/>
+              <a:pPr/>
               <a:t>‹#›</a:t>
             </a:fld>
             <a:endParaRPr lang="zh-TW" altLang="en-US"/>
@@ -529,7 +537,7 @@
     </p:spTree>
     <p:extLst>
       <p:ext uri="{BB962C8B-B14F-4D97-AF65-F5344CB8AC3E}">
-        <p14:creationId xmlns:p14="http://schemas.microsoft.com/office/powerpoint/2010/main" val="4070746811"/>
+        <p14:creationId xmlns:p14="http://schemas.microsoft.com/office/powerpoint/2010/main" xmlns="" val="4070746811"/>
       </p:ext>
     </p:extLst>
   </p:cSld>
@@ -658,7 +666,8 @@
           <a:p>
             <a:fld id="{E54F3484-B03C-4C27-B53A-08BBCD0F965D}" type="datetimeFigureOut">
               <a:rPr lang="zh-TW" altLang="en-US" smtClean="0"/>
-              <a:t>2020/6/13</a:t>
+              <a:pPr/>
+              <a:t>2020/8/2</a:t>
             </a:fld>
             <a:endParaRPr lang="zh-TW" altLang="en-US"/>
           </a:p>
@@ -700,6 +709,7 @@
           <a:p>
             <a:fld id="{FE8BB367-45BD-47CD-AFF1-8196ABE895B5}" type="slidenum">
               <a:rPr lang="zh-TW" altLang="en-US" smtClean="0"/>
+              <a:pPr/>
               <a:t>‹#›</a:t>
             </a:fld>
             <a:endParaRPr lang="zh-TW" altLang="en-US"/>
@@ -709,7 +719,7 @@
     </p:spTree>
     <p:extLst>
       <p:ext uri="{BB962C8B-B14F-4D97-AF65-F5344CB8AC3E}">
-        <p14:creationId xmlns:p14="http://schemas.microsoft.com/office/powerpoint/2010/main" val="2762396177"/>
+        <p14:creationId xmlns:p14="http://schemas.microsoft.com/office/powerpoint/2010/main" xmlns="" val="2762396177"/>
       </p:ext>
     </p:extLst>
   </p:cSld>
@@ -719,7 +729,246 @@
 </p:sldLayout>
 </file>
 
-<file path=ppt/slideLayouts/slideLayout2.xml><?xml version="1.0" encoding="utf-8"?>
+<file path=ppt/slideLayouts/slideLayout12.xml><?xml version="1.0" encoding="utf-8"?>
+<p:sldLayout xmlns:a="http://schemas.openxmlformats.org/drawingml/2006/main" xmlns:r="http://schemas.openxmlformats.org/officeDocument/2006/relationships" xmlns:p="http://schemas.openxmlformats.org/presentationml/2006/main" type="title" preserve="1">
+  <p:cSld name="標題投影片">
+    <p:spTree>
+      <p:nvGrpSpPr>
+        <p:cNvPr id="1" name=""/>
+        <p:cNvGrpSpPr/>
+        <p:nvPr/>
+      </p:nvGrpSpPr>
+      <p:grpSpPr>
+        <a:xfrm>
+          <a:off x="0" y="0"/>
+          <a:ext cx="0" cy="0"/>
+          <a:chOff x="0" y="0"/>
+          <a:chExt cx="0" cy="0"/>
+        </a:xfrm>
+      </p:grpSpPr>
+      <p:sp>
+        <p:nvSpPr>
+          <p:cNvPr id="2" name="標題 1"/>
+          <p:cNvSpPr>
+            <a:spLocks noGrp="1"/>
+          </p:cNvSpPr>
+          <p:nvPr>
+            <p:ph type="ctrTitle"/>
+          </p:nvPr>
+        </p:nvSpPr>
+        <p:spPr>
+          <a:xfrm>
+            <a:off x="914400" y="2130426"/>
+            <a:ext cx="10363200" cy="1470025"/>
+          </a:xfrm>
+        </p:spPr>
+        <p:txBody>
+          <a:bodyPr/>
+          <a:lstStyle/>
+          <a:p>
+            <a:r>
+              <a:rPr lang="zh-TW" altLang="en-US" smtClean="0"/>
+              <a:t>按一下以編輯母片標題樣式</a:t>
+            </a:r>
+            <a:endParaRPr lang="zh-TW" altLang="en-US"/>
+          </a:p>
+        </p:txBody>
+      </p:sp>
+      <p:sp>
+        <p:nvSpPr>
+          <p:cNvPr id="3" name="副標題 2"/>
+          <p:cNvSpPr>
+            <a:spLocks noGrp="1"/>
+          </p:cNvSpPr>
+          <p:nvPr>
+            <p:ph type="subTitle" idx="1"/>
+          </p:nvPr>
+        </p:nvSpPr>
+        <p:spPr>
+          <a:xfrm>
+            <a:off x="1828800" y="3886200"/>
+            <a:ext cx="8534400" cy="1752600"/>
+          </a:xfrm>
+        </p:spPr>
+        <p:txBody>
+          <a:bodyPr/>
+          <a:lstStyle>
+            <a:lvl1pPr marL="0" indent="0" algn="ctr">
+              <a:buNone/>
+              <a:defRPr>
+                <a:solidFill>
+                  <a:schemeClr val="tx1">
+                    <a:tint val="75000"/>
+                  </a:schemeClr>
+                </a:solidFill>
+              </a:defRPr>
+            </a:lvl1pPr>
+            <a:lvl2pPr marL="457200" indent="0" algn="ctr">
+              <a:buNone/>
+              <a:defRPr>
+                <a:solidFill>
+                  <a:schemeClr val="tx1">
+                    <a:tint val="75000"/>
+                  </a:schemeClr>
+                </a:solidFill>
+              </a:defRPr>
+            </a:lvl2pPr>
+            <a:lvl3pPr marL="914400" indent="0" algn="ctr">
+              <a:buNone/>
+              <a:defRPr>
+                <a:solidFill>
+                  <a:schemeClr val="tx1">
+                    <a:tint val="75000"/>
+                  </a:schemeClr>
+                </a:solidFill>
+              </a:defRPr>
+            </a:lvl3pPr>
+            <a:lvl4pPr marL="1371600" indent="0" algn="ctr">
+              <a:buNone/>
+              <a:defRPr>
+                <a:solidFill>
+                  <a:schemeClr val="tx1">
+                    <a:tint val="75000"/>
+                  </a:schemeClr>
+                </a:solidFill>
+              </a:defRPr>
+            </a:lvl4pPr>
+            <a:lvl5pPr marL="1828800" indent="0" algn="ctr">
+              <a:buNone/>
+              <a:defRPr>
+                <a:solidFill>
+                  <a:schemeClr val="tx1">
+                    <a:tint val="75000"/>
+                  </a:schemeClr>
+                </a:solidFill>
+              </a:defRPr>
+            </a:lvl5pPr>
+            <a:lvl6pPr marL="2286000" indent="0" algn="ctr">
+              <a:buNone/>
+              <a:defRPr>
+                <a:solidFill>
+                  <a:schemeClr val="tx1">
+                    <a:tint val="75000"/>
+                  </a:schemeClr>
+                </a:solidFill>
+              </a:defRPr>
+            </a:lvl6pPr>
+            <a:lvl7pPr marL="2743200" indent="0" algn="ctr">
+              <a:buNone/>
+              <a:defRPr>
+                <a:solidFill>
+                  <a:schemeClr val="tx1">
+                    <a:tint val="75000"/>
+                  </a:schemeClr>
+                </a:solidFill>
+              </a:defRPr>
+            </a:lvl7pPr>
+            <a:lvl8pPr marL="3200400" indent="0" algn="ctr">
+              <a:buNone/>
+              <a:defRPr>
+                <a:solidFill>
+                  <a:schemeClr val="tx1">
+                    <a:tint val="75000"/>
+                  </a:schemeClr>
+                </a:solidFill>
+              </a:defRPr>
+            </a:lvl8pPr>
+            <a:lvl9pPr marL="3657600" indent="0" algn="ctr">
+              <a:buNone/>
+              <a:defRPr>
+                <a:solidFill>
+                  <a:schemeClr val="tx1">
+                    <a:tint val="75000"/>
+                  </a:schemeClr>
+                </a:solidFill>
+              </a:defRPr>
+            </a:lvl9pPr>
+          </a:lstStyle>
+          <a:p>
+            <a:r>
+              <a:rPr lang="zh-TW" altLang="en-US" smtClean="0"/>
+              <a:t>按一下以編輯母片副標題樣式</a:t>
+            </a:r>
+            <a:endParaRPr lang="zh-TW" altLang="en-US"/>
+          </a:p>
+        </p:txBody>
+      </p:sp>
+      <p:sp>
+        <p:nvSpPr>
+          <p:cNvPr id="4" name="日期版面配置區 3"/>
+          <p:cNvSpPr>
+            <a:spLocks noGrp="1"/>
+          </p:cNvSpPr>
+          <p:nvPr>
+            <p:ph type="dt" sz="half" idx="10"/>
+          </p:nvPr>
+        </p:nvSpPr>
+        <p:spPr/>
+        <p:txBody>
+          <a:bodyPr/>
+          <a:lstStyle/>
+          <a:p>
+            <a:fld id="{E54F3484-B03C-4C27-B53A-08BBCD0F965D}" type="datetimeFigureOut">
+              <a:rPr lang="zh-TW" altLang="en-US" smtClean="0"/>
+              <a:pPr/>
+              <a:t>2020/8/2</a:t>
+            </a:fld>
+            <a:endParaRPr lang="zh-TW" altLang="en-US"/>
+          </a:p>
+        </p:txBody>
+      </p:sp>
+      <p:sp>
+        <p:nvSpPr>
+          <p:cNvPr id="5" name="頁尾版面配置區 4"/>
+          <p:cNvSpPr>
+            <a:spLocks noGrp="1"/>
+          </p:cNvSpPr>
+          <p:nvPr>
+            <p:ph type="ftr" sz="quarter" idx="11"/>
+          </p:nvPr>
+        </p:nvSpPr>
+        <p:spPr/>
+        <p:txBody>
+          <a:bodyPr/>
+          <a:lstStyle/>
+          <a:p>
+            <a:endParaRPr lang="zh-TW" altLang="en-US"/>
+          </a:p>
+        </p:txBody>
+      </p:sp>
+      <p:sp>
+        <p:nvSpPr>
+          <p:cNvPr id="6" name="投影片編號版面配置區 5"/>
+          <p:cNvSpPr>
+            <a:spLocks noGrp="1"/>
+          </p:cNvSpPr>
+          <p:nvPr>
+            <p:ph type="sldNum" sz="quarter" idx="12"/>
+          </p:nvPr>
+        </p:nvSpPr>
+        <p:spPr/>
+        <p:txBody>
+          <a:bodyPr/>
+          <a:lstStyle/>
+          <a:p>
+            <a:fld id="{FE8BB367-45BD-47CD-AFF1-8196ABE895B5}" type="slidenum">
+              <a:rPr lang="zh-TW" altLang="en-US" smtClean="0"/>
+              <a:pPr/>
+              <a:t>‹#›</a:t>
+            </a:fld>
+            <a:endParaRPr lang="zh-TW" altLang="en-US"/>
+          </a:p>
+        </p:txBody>
+      </p:sp>
+    </p:spTree>
+  </p:cSld>
+  <p:clrMapOvr>
+    <a:masterClrMapping/>
+  </p:clrMapOvr>
+</p:sldLayout>
+</file>
+
+<file path=ppt/slideLayouts/slideLayout13.xml><?xml version="1.0" encoding="utf-8"?>
 <p:sldLayout xmlns:a="http://schemas.openxmlformats.org/drawingml/2006/main" xmlns:r="http://schemas.openxmlformats.org/officeDocument/2006/relationships" xmlns:p="http://schemas.openxmlformats.org/presentationml/2006/main" type="obj" preserve="1">
   <p:cSld name="標題及物件">
     <p:spTree>
@@ -828,7 +1077,8 @@
           <a:p>
             <a:fld id="{E54F3484-B03C-4C27-B53A-08BBCD0F965D}" type="datetimeFigureOut">
               <a:rPr lang="zh-TW" altLang="en-US" smtClean="0"/>
-              <a:t>2020/6/13</a:t>
+              <a:pPr/>
+              <a:t>2020/8/2</a:t>
             </a:fld>
             <a:endParaRPr lang="zh-TW" altLang="en-US"/>
           </a:p>
@@ -870,6 +1120,7 @@
           <a:p>
             <a:fld id="{FE8BB367-45BD-47CD-AFF1-8196ABE895B5}" type="slidenum">
               <a:rPr lang="zh-TW" altLang="en-US" smtClean="0"/>
+              <a:pPr/>
               <a:t>‹#›</a:t>
             </a:fld>
             <a:endParaRPr lang="zh-TW" altLang="en-US"/>
@@ -877,11 +1128,6 @@
         </p:txBody>
       </p:sp>
     </p:spTree>
-    <p:extLst>
-      <p:ext uri="{BB962C8B-B14F-4D97-AF65-F5344CB8AC3E}">
-        <p14:creationId xmlns:p14="http://schemas.microsoft.com/office/powerpoint/2010/main" val="3637188068"/>
-      </p:ext>
-    </p:extLst>
   </p:cSld>
   <p:clrMapOvr>
     <a:masterClrMapping/>
@@ -889,9 +1135,9 @@
 </p:sldLayout>
 </file>
 
-<file path=ppt/slideLayouts/slideLayout3.xml><?xml version="1.0" encoding="utf-8"?>
+<file path=ppt/slideLayouts/slideLayout14.xml><?xml version="1.0" encoding="utf-8"?>
 <p:sldLayout xmlns:a="http://schemas.openxmlformats.org/drawingml/2006/main" xmlns:r="http://schemas.openxmlformats.org/officeDocument/2006/relationships" xmlns:p="http://schemas.openxmlformats.org/presentationml/2006/main" type="secHead" preserve="1">
-  <p:cSld name="章節標題">
+  <p:cSld name="區段標題">
     <p:spTree>
       <p:nvGrpSpPr>
         <p:cNvPr id="1" name=""/>
@@ -1074,7 +1320,8 @@
           <a:p>
             <a:fld id="{E54F3484-B03C-4C27-B53A-08BBCD0F965D}" type="datetimeFigureOut">
               <a:rPr lang="zh-TW" altLang="en-US" smtClean="0"/>
-              <a:t>2020/6/13</a:t>
+              <a:pPr/>
+              <a:t>2020/8/2</a:t>
             </a:fld>
             <a:endParaRPr lang="zh-TW" altLang="en-US"/>
           </a:p>
@@ -1116,6 +1363,7 @@
           <a:p>
             <a:fld id="{FE8BB367-45BD-47CD-AFF1-8196ABE895B5}" type="slidenum">
               <a:rPr lang="zh-TW" altLang="en-US" smtClean="0"/>
+              <a:pPr/>
               <a:t>‹#›</a:t>
             </a:fld>
             <a:endParaRPr lang="zh-TW" altLang="en-US"/>
@@ -1123,11 +1371,6 @@
         </p:txBody>
       </p:sp>
     </p:spTree>
-    <p:extLst>
-      <p:ext uri="{BB962C8B-B14F-4D97-AF65-F5344CB8AC3E}">
-        <p14:creationId xmlns:p14="http://schemas.microsoft.com/office/powerpoint/2010/main" val="1393181595"/>
-      </p:ext>
-    </p:extLst>
   </p:cSld>
   <p:clrMapOvr>
     <a:masterClrMapping/>
@@ -1135,7 +1378,7 @@
 </p:sldLayout>
 </file>
 
-<file path=ppt/slideLayouts/slideLayout4.xml><?xml version="1.0" encoding="utf-8"?>
+<file path=ppt/slideLayouts/slideLayout15.xml><?xml version="1.0" encoding="utf-8"?>
 <p:sldLayout xmlns:a="http://schemas.openxmlformats.org/drawingml/2006/main" xmlns:r="http://schemas.openxmlformats.org/officeDocument/2006/relationships" xmlns:p="http://schemas.openxmlformats.org/presentationml/2006/main" type="twoObj" preserve="1">
   <p:cSld name="兩項物件">
     <p:spTree>
@@ -1362,7 +1605,8 @@
           <a:p>
             <a:fld id="{E54F3484-B03C-4C27-B53A-08BBCD0F965D}" type="datetimeFigureOut">
               <a:rPr lang="zh-TW" altLang="en-US" smtClean="0"/>
-              <a:t>2020/6/13</a:t>
+              <a:pPr/>
+              <a:t>2020/8/2</a:t>
             </a:fld>
             <a:endParaRPr lang="zh-TW" altLang="en-US"/>
           </a:p>
@@ -1404,6 +1648,7 @@
           <a:p>
             <a:fld id="{FE8BB367-45BD-47CD-AFF1-8196ABE895B5}" type="slidenum">
               <a:rPr lang="zh-TW" altLang="en-US" smtClean="0"/>
+              <a:pPr/>
               <a:t>‹#›</a:t>
             </a:fld>
             <a:endParaRPr lang="zh-TW" altLang="en-US"/>
@@ -1411,11 +1656,6 @@
         </p:txBody>
       </p:sp>
     </p:spTree>
-    <p:extLst>
-      <p:ext uri="{BB962C8B-B14F-4D97-AF65-F5344CB8AC3E}">
-        <p14:creationId xmlns:p14="http://schemas.microsoft.com/office/powerpoint/2010/main" val="1313305365"/>
-      </p:ext>
-    </p:extLst>
   </p:cSld>
   <p:clrMapOvr>
     <a:masterClrMapping/>
@@ -1423,7 +1663,7 @@
 </p:sldLayout>
 </file>
 
-<file path=ppt/slideLayouts/slideLayout5.xml><?xml version="1.0" encoding="utf-8"?>
+<file path=ppt/slideLayouts/slideLayout16.xml><?xml version="1.0" encoding="utf-8"?>
 <p:sldLayout xmlns:a="http://schemas.openxmlformats.org/drawingml/2006/main" xmlns:r="http://schemas.openxmlformats.org/officeDocument/2006/relationships" xmlns:p="http://schemas.openxmlformats.org/presentationml/2006/main" type="twoTxTwoObj" preserve="1">
   <p:cSld name="比對">
     <p:spTree>
@@ -1784,7 +2024,8 @@
           <a:p>
             <a:fld id="{E54F3484-B03C-4C27-B53A-08BBCD0F965D}" type="datetimeFigureOut">
               <a:rPr lang="zh-TW" altLang="en-US" smtClean="0"/>
-              <a:t>2020/6/13</a:t>
+              <a:pPr/>
+              <a:t>2020/8/2</a:t>
             </a:fld>
             <a:endParaRPr lang="zh-TW" altLang="en-US"/>
           </a:p>
@@ -1826,6 +2067,7 @@
           <a:p>
             <a:fld id="{FE8BB367-45BD-47CD-AFF1-8196ABE895B5}" type="slidenum">
               <a:rPr lang="zh-TW" altLang="en-US" smtClean="0"/>
+              <a:pPr/>
               <a:t>‹#›</a:t>
             </a:fld>
             <a:endParaRPr lang="zh-TW" altLang="en-US"/>
@@ -1833,11 +2075,6 @@
         </p:txBody>
       </p:sp>
     </p:spTree>
-    <p:extLst>
-      <p:ext uri="{BB962C8B-B14F-4D97-AF65-F5344CB8AC3E}">
-        <p14:creationId xmlns:p14="http://schemas.microsoft.com/office/powerpoint/2010/main" val="3517196885"/>
-      </p:ext>
-    </p:extLst>
   </p:cSld>
   <p:clrMapOvr>
     <a:masterClrMapping/>
@@ -1845,7 +2082,7 @@
 </p:sldLayout>
 </file>
 
-<file path=ppt/slideLayouts/slideLayout6.xml><?xml version="1.0" encoding="utf-8"?>
+<file path=ppt/slideLayouts/slideLayout17.xml><?xml version="1.0" encoding="utf-8"?>
 <p:sldLayout xmlns:a="http://schemas.openxmlformats.org/drawingml/2006/main" xmlns:r="http://schemas.openxmlformats.org/officeDocument/2006/relationships" xmlns:p="http://schemas.openxmlformats.org/presentationml/2006/main" type="titleOnly" preserve="1">
   <p:cSld name="只有標題">
     <p:spTree>
@@ -1902,7 +2139,8 @@
           <a:p>
             <a:fld id="{E54F3484-B03C-4C27-B53A-08BBCD0F965D}" type="datetimeFigureOut">
               <a:rPr lang="zh-TW" altLang="en-US" smtClean="0"/>
-              <a:t>2020/6/13</a:t>
+              <a:pPr/>
+              <a:t>2020/8/2</a:t>
             </a:fld>
             <a:endParaRPr lang="zh-TW" altLang="en-US"/>
           </a:p>
@@ -1944,6 +2182,7 @@
           <a:p>
             <a:fld id="{FE8BB367-45BD-47CD-AFF1-8196ABE895B5}" type="slidenum">
               <a:rPr lang="zh-TW" altLang="en-US" smtClean="0"/>
+              <a:pPr/>
               <a:t>‹#›</a:t>
             </a:fld>
             <a:endParaRPr lang="zh-TW" altLang="en-US"/>
@@ -1951,11 +2190,6 @@
         </p:txBody>
       </p:sp>
     </p:spTree>
-    <p:extLst>
-      <p:ext uri="{BB962C8B-B14F-4D97-AF65-F5344CB8AC3E}">
-        <p14:creationId xmlns:p14="http://schemas.microsoft.com/office/powerpoint/2010/main" val="2169545694"/>
-      </p:ext>
-    </p:extLst>
   </p:cSld>
   <p:clrMapOvr>
     <a:masterClrMapping/>
@@ -1963,7 +2197,7 @@
 </p:sldLayout>
 </file>
 
-<file path=ppt/slideLayouts/slideLayout7.xml><?xml version="1.0" encoding="utf-8"?>
+<file path=ppt/slideLayouts/slideLayout18.xml><?xml version="1.0" encoding="utf-8"?>
 <p:sldLayout xmlns:a="http://schemas.openxmlformats.org/drawingml/2006/main" xmlns:r="http://schemas.openxmlformats.org/officeDocument/2006/relationships" xmlns:p="http://schemas.openxmlformats.org/presentationml/2006/main" type="blank" preserve="1">
   <p:cSld name="空白">
     <p:spTree>
@@ -1997,7 +2231,8 @@
           <a:p>
             <a:fld id="{E54F3484-B03C-4C27-B53A-08BBCD0F965D}" type="datetimeFigureOut">
               <a:rPr lang="zh-TW" altLang="en-US" smtClean="0"/>
-              <a:t>2020/6/13</a:t>
+              <a:pPr/>
+              <a:t>2020/8/2</a:t>
             </a:fld>
             <a:endParaRPr lang="zh-TW" altLang="en-US"/>
           </a:p>
@@ -2039,6 +2274,7 @@
           <a:p>
             <a:fld id="{FE8BB367-45BD-47CD-AFF1-8196ABE895B5}" type="slidenum">
               <a:rPr lang="zh-TW" altLang="en-US" smtClean="0"/>
+              <a:pPr/>
               <a:t>‹#›</a:t>
             </a:fld>
             <a:endParaRPr lang="zh-TW" altLang="en-US"/>
@@ -2046,11 +2282,6 @@
         </p:txBody>
       </p:sp>
     </p:spTree>
-    <p:extLst>
-      <p:ext uri="{BB962C8B-B14F-4D97-AF65-F5344CB8AC3E}">
-        <p14:creationId xmlns:p14="http://schemas.microsoft.com/office/powerpoint/2010/main" val="3865061329"/>
-      </p:ext>
-    </p:extLst>
   </p:cSld>
   <p:clrMapOvr>
     <a:masterClrMapping/>
@@ -2058,7 +2289,7 @@
 </p:sldLayout>
 </file>
 
-<file path=ppt/slideLayouts/slideLayout8.xml><?xml version="1.0" encoding="utf-8"?>
+<file path=ppt/slideLayouts/slideLayout19.xml><?xml version="1.0" encoding="utf-8"?>
 <p:sldLayout xmlns:a="http://schemas.openxmlformats.org/drawingml/2006/main" xmlns:r="http://schemas.openxmlformats.org/officeDocument/2006/relationships" xmlns:p="http://schemas.openxmlformats.org/presentationml/2006/main" type="objTx" preserve="1">
   <p:cSld name="含標題的內容">
     <p:spTree>
@@ -2274,7 +2505,8 @@
           <a:p>
             <a:fld id="{E54F3484-B03C-4C27-B53A-08BBCD0F965D}" type="datetimeFigureOut">
               <a:rPr lang="zh-TW" altLang="en-US" smtClean="0"/>
-              <a:t>2020/6/13</a:t>
+              <a:pPr/>
+              <a:t>2020/8/2</a:t>
             </a:fld>
             <a:endParaRPr lang="zh-TW" altLang="en-US"/>
           </a:p>
@@ -2316,6 +2548,174 @@
           <a:p>
             <a:fld id="{FE8BB367-45BD-47CD-AFF1-8196ABE895B5}" type="slidenum">
               <a:rPr lang="zh-TW" altLang="en-US" smtClean="0"/>
+              <a:pPr/>
+              <a:t>‹#›</a:t>
+            </a:fld>
+            <a:endParaRPr lang="zh-TW" altLang="en-US"/>
+          </a:p>
+        </p:txBody>
+      </p:sp>
+    </p:spTree>
+  </p:cSld>
+  <p:clrMapOvr>
+    <a:masterClrMapping/>
+  </p:clrMapOvr>
+</p:sldLayout>
+</file>
+
+<file path=ppt/slideLayouts/slideLayout2.xml><?xml version="1.0" encoding="utf-8"?>
+<p:sldLayout xmlns:a="http://schemas.openxmlformats.org/drawingml/2006/main" xmlns:r="http://schemas.openxmlformats.org/officeDocument/2006/relationships" xmlns:p="http://schemas.openxmlformats.org/presentationml/2006/main" type="obj" preserve="1">
+  <p:cSld name="標題及物件">
+    <p:spTree>
+      <p:nvGrpSpPr>
+        <p:cNvPr id="1" name=""/>
+        <p:cNvGrpSpPr/>
+        <p:nvPr/>
+      </p:nvGrpSpPr>
+      <p:grpSpPr>
+        <a:xfrm>
+          <a:off x="0" y="0"/>
+          <a:ext cx="0" cy="0"/>
+          <a:chOff x="0" y="0"/>
+          <a:chExt cx="0" cy="0"/>
+        </a:xfrm>
+      </p:grpSpPr>
+      <p:sp>
+        <p:nvSpPr>
+          <p:cNvPr id="2" name="標題 1"/>
+          <p:cNvSpPr>
+            <a:spLocks noGrp="1"/>
+          </p:cNvSpPr>
+          <p:nvPr>
+            <p:ph type="title"/>
+          </p:nvPr>
+        </p:nvSpPr>
+        <p:spPr/>
+        <p:txBody>
+          <a:bodyPr/>
+          <a:lstStyle/>
+          <a:p>
+            <a:r>
+              <a:rPr lang="zh-TW" altLang="en-US" smtClean="0"/>
+              <a:t>按一下以編輯母片標題樣式</a:t>
+            </a:r>
+            <a:endParaRPr lang="zh-TW" altLang="en-US"/>
+          </a:p>
+        </p:txBody>
+      </p:sp>
+      <p:sp>
+        <p:nvSpPr>
+          <p:cNvPr id="3" name="內容版面配置區 2"/>
+          <p:cNvSpPr>
+            <a:spLocks noGrp="1"/>
+          </p:cNvSpPr>
+          <p:nvPr>
+            <p:ph idx="1"/>
+          </p:nvPr>
+        </p:nvSpPr>
+        <p:spPr/>
+        <p:txBody>
+          <a:bodyPr/>
+          <a:lstStyle/>
+          <a:p>
+            <a:pPr lvl="0"/>
+            <a:r>
+              <a:rPr lang="zh-TW" altLang="en-US" smtClean="0"/>
+              <a:t>按一下以編輯母片文字樣式</a:t>
+            </a:r>
+          </a:p>
+          <a:p>
+            <a:pPr lvl="1"/>
+            <a:r>
+              <a:rPr lang="zh-TW" altLang="en-US" smtClean="0"/>
+              <a:t>第二層</a:t>
+            </a:r>
+          </a:p>
+          <a:p>
+            <a:pPr lvl="2"/>
+            <a:r>
+              <a:rPr lang="zh-TW" altLang="en-US" smtClean="0"/>
+              <a:t>第三層</a:t>
+            </a:r>
+          </a:p>
+          <a:p>
+            <a:pPr lvl="3"/>
+            <a:r>
+              <a:rPr lang="zh-TW" altLang="en-US" smtClean="0"/>
+              <a:t>第四層</a:t>
+            </a:r>
+          </a:p>
+          <a:p>
+            <a:pPr lvl="4"/>
+            <a:r>
+              <a:rPr lang="zh-TW" altLang="en-US" smtClean="0"/>
+              <a:t>第五層</a:t>
+            </a:r>
+            <a:endParaRPr lang="zh-TW" altLang="en-US"/>
+          </a:p>
+        </p:txBody>
+      </p:sp>
+      <p:sp>
+        <p:nvSpPr>
+          <p:cNvPr id="4" name="日期版面配置區 3"/>
+          <p:cNvSpPr>
+            <a:spLocks noGrp="1"/>
+          </p:cNvSpPr>
+          <p:nvPr>
+            <p:ph type="dt" sz="half" idx="10"/>
+          </p:nvPr>
+        </p:nvSpPr>
+        <p:spPr/>
+        <p:txBody>
+          <a:bodyPr/>
+          <a:lstStyle/>
+          <a:p>
+            <a:fld id="{E54F3484-B03C-4C27-B53A-08BBCD0F965D}" type="datetimeFigureOut">
+              <a:rPr lang="zh-TW" altLang="en-US" smtClean="0"/>
+              <a:pPr/>
+              <a:t>2020/8/2</a:t>
+            </a:fld>
+            <a:endParaRPr lang="zh-TW" altLang="en-US"/>
+          </a:p>
+        </p:txBody>
+      </p:sp>
+      <p:sp>
+        <p:nvSpPr>
+          <p:cNvPr id="5" name="頁尾版面配置區 4"/>
+          <p:cNvSpPr>
+            <a:spLocks noGrp="1"/>
+          </p:cNvSpPr>
+          <p:nvPr>
+            <p:ph type="ftr" sz="quarter" idx="11"/>
+          </p:nvPr>
+        </p:nvSpPr>
+        <p:spPr/>
+        <p:txBody>
+          <a:bodyPr/>
+          <a:lstStyle/>
+          <a:p>
+            <a:endParaRPr lang="zh-TW" altLang="en-US"/>
+          </a:p>
+        </p:txBody>
+      </p:sp>
+      <p:sp>
+        <p:nvSpPr>
+          <p:cNvPr id="6" name="投影片編號版面配置區 5"/>
+          <p:cNvSpPr>
+            <a:spLocks noGrp="1"/>
+          </p:cNvSpPr>
+          <p:nvPr>
+            <p:ph type="sldNum" sz="quarter" idx="12"/>
+          </p:nvPr>
+        </p:nvSpPr>
+        <p:spPr/>
+        <p:txBody>
+          <a:bodyPr/>
+          <a:lstStyle/>
+          <a:p>
+            <a:fld id="{FE8BB367-45BD-47CD-AFF1-8196ABE895B5}" type="slidenum">
+              <a:rPr lang="zh-TW" altLang="en-US" smtClean="0"/>
+              <a:pPr/>
               <a:t>‹#›</a:t>
             </a:fld>
             <a:endParaRPr lang="zh-TW" altLang="en-US"/>
@@ -2325,7 +2725,2063 @@
     </p:spTree>
     <p:extLst>
       <p:ext uri="{BB962C8B-B14F-4D97-AF65-F5344CB8AC3E}">
-        <p14:creationId xmlns:p14="http://schemas.microsoft.com/office/powerpoint/2010/main" val="2245602464"/>
+        <p14:creationId xmlns:p14="http://schemas.microsoft.com/office/powerpoint/2010/main" xmlns="" val="3637188068"/>
+      </p:ext>
+    </p:extLst>
+  </p:cSld>
+  <p:clrMapOvr>
+    <a:masterClrMapping/>
+  </p:clrMapOvr>
+</p:sldLayout>
+</file>
+
+<file path=ppt/slideLayouts/slideLayout20.xml><?xml version="1.0" encoding="utf-8"?>
+<p:sldLayout xmlns:a="http://schemas.openxmlformats.org/drawingml/2006/main" xmlns:r="http://schemas.openxmlformats.org/officeDocument/2006/relationships" xmlns:p="http://schemas.openxmlformats.org/presentationml/2006/main" type="picTx" preserve="1">
+  <p:cSld name="含標題的圖片">
+    <p:spTree>
+      <p:nvGrpSpPr>
+        <p:cNvPr id="1" name=""/>
+        <p:cNvGrpSpPr/>
+        <p:nvPr/>
+      </p:nvGrpSpPr>
+      <p:grpSpPr>
+        <a:xfrm>
+          <a:off x="0" y="0"/>
+          <a:ext cx="0" cy="0"/>
+          <a:chOff x="0" y="0"/>
+          <a:chExt cx="0" cy="0"/>
+        </a:xfrm>
+      </p:grpSpPr>
+      <p:sp>
+        <p:nvSpPr>
+          <p:cNvPr id="2" name="標題 1"/>
+          <p:cNvSpPr>
+            <a:spLocks noGrp="1"/>
+          </p:cNvSpPr>
+          <p:nvPr>
+            <p:ph type="title"/>
+          </p:nvPr>
+        </p:nvSpPr>
+        <p:spPr>
+          <a:xfrm>
+            <a:off x="2389717" y="4800600"/>
+            <a:ext cx="7315200" cy="566738"/>
+          </a:xfrm>
+        </p:spPr>
+        <p:txBody>
+          <a:bodyPr anchor="b"/>
+          <a:lstStyle>
+            <a:lvl1pPr algn="l">
+              <a:defRPr sz="2000" b="1"/>
+            </a:lvl1pPr>
+          </a:lstStyle>
+          <a:p>
+            <a:r>
+              <a:rPr lang="zh-TW" altLang="en-US" smtClean="0"/>
+              <a:t>按一下以編輯母片標題樣式</a:t>
+            </a:r>
+            <a:endParaRPr lang="zh-TW" altLang="en-US"/>
+          </a:p>
+        </p:txBody>
+      </p:sp>
+      <p:sp>
+        <p:nvSpPr>
+          <p:cNvPr id="3" name="圖片版面配置區 2"/>
+          <p:cNvSpPr>
+            <a:spLocks noGrp="1"/>
+          </p:cNvSpPr>
+          <p:nvPr>
+            <p:ph type="pic" idx="1"/>
+          </p:nvPr>
+        </p:nvSpPr>
+        <p:spPr>
+          <a:xfrm>
+            <a:off x="2389717" y="612775"/>
+            <a:ext cx="7315200" cy="4114800"/>
+          </a:xfrm>
+        </p:spPr>
+        <p:txBody>
+          <a:bodyPr/>
+          <a:lstStyle>
+            <a:lvl1pPr marL="0" indent="0">
+              <a:buNone/>
+              <a:defRPr sz="3200"/>
+            </a:lvl1pPr>
+            <a:lvl2pPr marL="457200" indent="0">
+              <a:buNone/>
+              <a:defRPr sz="2800"/>
+            </a:lvl2pPr>
+            <a:lvl3pPr marL="914400" indent="0">
+              <a:buNone/>
+              <a:defRPr sz="2400"/>
+            </a:lvl3pPr>
+            <a:lvl4pPr marL="1371600" indent="0">
+              <a:buNone/>
+              <a:defRPr sz="2000"/>
+            </a:lvl4pPr>
+            <a:lvl5pPr marL="1828800" indent="0">
+              <a:buNone/>
+              <a:defRPr sz="2000"/>
+            </a:lvl5pPr>
+            <a:lvl6pPr marL="2286000" indent="0">
+              <a:buNone/>
+              <a:defRPr sz="2000"/>
+            </a:lvl6pPr>
+            <a:lvl7pPr marL="2743200" indent="0">
+              <a:buNone/>
+              <a:defRPr sz="2000"/>
+            </a:lvl7pPr>
+            <a:lvl8pPr marL="3200400" indent="0">
+              <a:buNone/>
+              <a:defRPr sz="2000"/>
+            </a:lvl8pPr>
+            <a:lvl9pPr marL="3657600" indent="0">
+              <a:buNone/>
+              <a:defRPr sz="2000"/>
+            </a:lvl9pPr>
+          </a:lstStyle>
+          <a:p>
+            <a:r>
+              <a:rPr lang="zh-TW" altLang="en-US" smtClean="0"/>
+              <a:t>按一下圖示以新增圖片</a:t>
+            </a:r>
+            <a:endParaRPr lang="zh-TW" altLang="en-US"/>
+          </a:p>
+        </p:txBody>
+      </p:sp>
+      <p:sp>
+        <p:nvSpPr>
+          <p:cNvPr id="4" name="文字版面配置區 3"/>
+          <p:cNvSpPr>
+            <a:spLocks noGrp="1"/>
+          </p:cNvSpPr>
+          <p:nvPr>
+            <p:ph type="body" sz="half" idx="2"/>
+          </p:nvPr>
+        </p:nvSpPr>
+        <p:spPr>
+          <a:xfrm>
+            <a:off x="2389717" y="5367338"/>
+            <a:ext cx="7315200" cy="804862"/>
+          </a:xfrm>
+        </p:spPr>
+        <p:txBody>
+          <a:bodyPr/>
+          <a:lstStyle>
+            <a:lvl1pPr marL="0" indent="0">
+              <a:buNone/>
+              <a:defRPr sz="1400"/>
+            </a:lvl1pPr>
+            <a:lvl2pPr marL="457200" indent="0">
+              <a:buNone/>
+              <a:defRPr sz="1200"/>
+            </a:lvl2pPr>
+            <a:lvl3pPr marL="914400" indent="0">
+              <a:buNone/>
+              <a:defRPr sz="1000"/>
+            </a:lvl3pPr>
+            <a:lvl4pPr marL="1371600" indent="0">
+              <a:buNone/>
+              <a:defRPr sz="900"/>
+            </a:lvl4pPr>
+            <a:lvl5pPr marL="1828800" indent="0">
+              <a:buNone/>
+              <a:defRPr sz="900"/>
+            </a:lvl5pPr>
+            <a:lvl6pPr marL="2286000" indent="0">
+              <a:buNone/>
+              <a:defRPr sz="900"/>
+            </a:lvl6pPr>
+            <a:lvl7pPr marL="2743200" indent="0">
+              <a:buNone/>
+              <a:defRPr sz="900"/>
+            </a:lvl7pPr>
+            <a:lvl8pPr marL="3200400" indent="0">
+              <a:buNone/>
+              <a:defRPr sz="900"/>
+            </a:lvl8pPr>
+            <a:lvl9pPr marL="3657600" indent="0">
+              <a:buNone/>
+              <a:defRPr sz="900"/>
+            </a:lvl9pPr>
+          </a:lstStyle>
+          <a:p>
+            <a:pPr lvl="0"/>
+            <a:r>
+              <a:rPr lang="zh-TW" altLang="en-US" smtClean="0"/>
+              <a:t>按一下以編輯母片文字樣式</a:t>
+            </a:r>
+          </a:p>
+        </p:txBody>
+      </p:sp>
+      <p:sp>
+        <p:nvSpPr>
+          <p:cNvPr id="5" name="日期版面配置區 4"/>
+          <p:cNvSpPr>
+            <a:spLocks noGrp="1"/>
+          </p:cNvSpPr>
+          <p:nvPr>
+            <p:ph type="dt" sz="half" idx="10"/>
+          </p:nvPr>
+        </p:nvSpPr>
+        <p:spPr/>
+        <p:txBody>
+          <a:bodyPr/>
+          <a:lstStyle/>
+          <a:p>
+            <a:fld id="{E54F3484-B03C-4C27-B53A-08BBCD0F965D}" type="datetimeFigureOut">
+              <a:rPr lang="zh-TW" altLang="en-US" smtClean="0"/>
+              <a:pPr/>
+              <a:t>2020/8/2</a:t>
+            </a:fld>
+            <a:endParaRPr lang="zh-TW" altLang="en-US"/>
+          </a:p>
+        </p:txBody>
+      </p:sp>
+      <p:sp>
+        <p:nvSpPr>
+          <p:cNvPr id="6" name="頁尾版面配置區 5"/>
+          <p:cNvSpPr>
+            <a:spLocks noGrp="1"/>
+          </p:cNvSpPr>
+          <p:nvPr>
+            <p:ph type="ftr" sz="quarter" idx="11"/>
+          </p:nvPr>
+        </p:nvSpPr>
+        <p:spPr/>
+        <p:txBody>
+          <a:bodyPr/>
+          <a:lstStyle/>
+          <a:p>
+            <a:endParaRPr lang="zh-TW" altLang="en-US"/>
+          </a:p>
+        </p:txBody>
+      </p:sp>
+      <p:sp>
+        <p:nvSpPr>
+          <p:cNvPr id="7" name="投影片編號版面配置區 6"/>
+          <p:cNvSpPr>
+            <a:spLocks noGrp="1"/>
+          </p:cNvSpPr>
+          <p:nvPr>
+            <p:ph type="sldNum" sz="quarter" idx="12"/>
+          </p:nvPr>
+        </p:nvSpPr>
+        <p:spPr/>
+        <p:txBody>
+          <a:bodyPr/>
+          <a:lstStyle/>
+          <a:p>
+            <a:fld id="{FE8BB367-45BD-47CD-AFF1-8196ABE895B5}" type="slidenum">
+              <a:rPr lang="zh-TW" altLang="en-US" smtClean="0"/>
+              <a:pPr/>
+              <a:t>‹#›</a:t>
+            </a:fld>
+            <a:endParaRPr lang="zh-TW" altLang="en-US"/>
+          </a:p>
+        </p:txBody>
+      </p:sp>
+    </p:spTree>
+  </p:cSld>
+  <p:clrMapOvr>
+    <a:masterClrMapping/>
+  </p:clrMapOvr>
+</p:sldLayout>
+</file>
+
+<file path=ppt/slideLayouts/slideLayout21.xml><?xml version="1.0" encoding="utf-8"?>
+<p:sldLayout xmlns:a="http://schemas.openxmlformats.org/drawingml/2006/main" xmlns:r="http://schemas.openxmlformats.org/officeDocument/2006/relationships" xmlns:p="http://schemas.openxmlformats.org/presentationml/2006/main" type="vertTx" preserve="1">
+  <p:cSld name="標題及直排文字">
+    <p:spTree>
+      <p:nvGrpSpPr>
+        <p:cNvPr id="1" name=""/>
+        <p:cNvGrpSpPr/>
+        <p:nvPr/>
+      </p:nvGrpSpPr>
+      <p:grpSpPr>
+        <a:xfrm>
+          <a:off x="0" y="0"/>
+          <a:ext cx="0" cy="0"/>
+          <a:chOff x="0" y="0"/>
+          <a:chExt cx="0" cy="0"/>
+        </a:xfrm>
+      </p:grpSpPr>
+      <p:sp>
+        <p:nvSpPr>
+          <p:cNvPr id="2" name="標題 1"/>
+          <p:cNvSpPr>
+            <a:spLocks noGrp="1"/>
+          </p:cNvSpPr>
+          <p:nvPr>
+            <p:ph type="title"/>
+          </p:nvPr>
+        </p:nvSpPr>
+        <p:spPr/>
+        <p:txBody>
+          <a:bodyPr/>
+          <a:lstStyle/>
+          <a:p>
+            <a:r>
+              <a:rPr lang="zh-TW" altLang="en-US" smtClean="0"/>
+              <a:t>按一下以編輯母片標題樣式</a:t>
+            </a:r>
+            <a:endParaRPr lang="zh-TW" altLang="en-US"/>
+          </a:p>
+        </p:txBody>
+      </p:sp>
+      <p:sp>
+        <p:nvSpPr>
+          <p:cNvPr id="3" name="直排文字版面配置區 2"/>
+          <p:cNvSpPr>
+            <a:spLocks noGrp="1"/>
+          </p:cNvSpPr>
+          <p:nvPr>
+            <p:ph type="body" orient="vert" idx="1"/>
+          </p:nvPr>
+        </p:nvSpPr>
+        <p:spPr/>
+        <p:txBody>
+          <a:bodyPr vert="eaVert"/>
+          <a:lstStyle/>
+          <a:p>
+            <a:pPr lvl="0"/>
+            <a:r>
+              <a:rPr lang="zh-TW" altLang="en-US" smtClean="0"/>
+              <a:t>按一下以編輯母片文字樣式</a:t>
+            </a:r>
+          </a:p>
+          <a:p>
+            <a:pPr lvl="1"/>
+            <a:r>
+              <a:rPr lang="zh-TW" altLang="en-US" smtClean="0"/>
+              <a:t>第二層</a:t>
+            </a:r>
+          </a:p>
+          <a:p>
+            <a:pPr lvl="2"/>
+            <a:r>
+              <a:rPr lang="zh-TW" altLang="en-US" smtClean="0"/>
+              <a:t>第三層</a:t>
+            </a:r>
+          </a:p>
+          <a:p>
+            <a:pPr lvl="3"/>
+            <a:r>
+              <a:rPr lang="zh-TW" altLang="en-US" smtClean="0"/>
+              <a:t>第四層</a:t>
+            </a:r>
+          </a:p>
+          <a:p>
+            <a:pPr lvl="4"/>
+            <a:r>
+              <a:rPr lang="zh-TW" altLang="en-US" smtClean="0"/>
+              <a:t>第五層</a:t>
+            </a:r>
+            <a:endParaRPr lang="zh-TW" altLang="en-US"/>
+          </a:p>
+        </p:txBody>
+      </p:sp>
+      <p:sp>
+        <p:nvSpPr>
+          <p:cNvPr id="4" name="日期版面配置區 3"/>
+          <p:cNvSpPr>
+            <a:spLocks noGrp="1"/>
+          </p:cNvSpPr>
+          <p:nvPr>
+            <p:ph type="dt" sz="half" idx="10"/>
+          </p:nvPr>
+        </p:nvSpPr>
+        <p:spPr/>
+        <p:txBody>
+          <a:bodyPr/>
+          <a:lstStyle/>
+          <a:p>
+            <a:fld id="{E54F3484-B03C-4C27-B53A-08BBCD0F965D}" type="datetimeFigureOut">
+              <a:rPr lang="zh-TW" altLang="en-US" smtClean="0"/>
+              <a:pPr/>
+              <a:t>2020/8/2</a:t>
+            </a:fld>
+            <a:endParaRPr lang="zh-TW" altLang="en-US"/>
+          </a:p>
+        </p:txBody>
+      </p:sp>
+      <p:sp>
+        <p:nvSpPr>
+          <p:cNvPr id="5" name="頁尾版面配置區 4"/>
+          <p:cNvSpPr>
+            <a:spLocks noGrp="1"/>
+          </p:cNvSpPr>
+          <p:nvPr>
+            <p:ph type="ftr" sz="quarter" idx="11"/>
+          </p:nvPr>
+        </p:nvSpPr>
+        <p:spPr/>
+        <p:txBody>
+          <a:bodyPr/>
+          <a:lstStyle/>
+          <a:p>
+            <a:endParaRPr lang="zh-TW" altLang="en-US"/>
+          </a:p>
+        </p:txBody>
+      </p:sp>
+      <p:sp>
+        <p:nvSpPr>
+          <p:cNvPr id="6" name="投影片編號版面配置區 5"/>
+          <p:cNvSpPr>
+            <a:spLocks noGrp="1"/>
+          </p:cNvSpPr>
+          <p:nvPr>
+            <p:ph type="sldNum" sz="quarter" idx="12"/>
+          </p:nvPr>
+        </p:nvSpPr>
+        <p:spPr/>
+        <p:txBody>
+          <a:bodyPr/>
+          <a:lstStyle/>
+          <a:p>
+            <a:fld id="{FE8BB367-45BD-47CD-AFF1-8196ABE895B5}" type="slidenum">
+              <a:rPr lang="zh-TW" altLang="en-US" smtClean="0"/>
+              <a:pPr/>
+              <a:t>‹#›</a:t>
+            </a:fld>
+            <a:endParaRPr lang="zh-TW" altLang="en-US"/>
+          </a:p>
+        </p:txBody>
+      </p:sp>
+    </p:spTree>
+  </p:cSld>
+  <p:clrMapOvr>
+    <a:masterClrMapping/>
+  </p:clrMapOvr>
+</p:sldLayout>
+</file>
+
+<file path=ppt/slideLayouts/slideLayout22.xml><?xml version="1.0" encoding="utf-8"?>
+<p:sldLayout xmlns:a="http://schemas.openxmlformats.org/drawingml/2006/main" xmlns:r="http://schemas.openxmlformats.org/officeDocument/2006/relationships" xmlns:p="http://schemas.openxmlformats.org/presentationml/2006/main" type="vertTitleAndTx" preserve="1">
+  <p:cSld name="直排標題及文字">
+    <p:spTree>
+      <p:nvGrpSpPr>
+        <p:cNvPr id="1" name=""/>
+        <p:cNvGrpSpPr/>
+        <p:nvPr/>
+      </p:nvGrpSpPr>
+      <p:grpSpPr>
+        <a:xfrm>
+          <a:off x="0" y="0"/>
+          <a:ext cx="0" cy="0"/>
+          <a:chOff x="0" y="0"/>
+          <a:chExt cx="0" cy="0"/>
+        </a:xfrm>
+      </p:grpSpPr>
+      <p:sp>
+        <p:nvSpPr>
+          <p:cNvPr id="2" name="直排標題 1"/>
+          <p:cNvSpPr>
+            <a:spLocks noGrp="1"/>
+          </p:cNvSpPr>
+          <p:nvPr>
+            <p:ph type="title" orient="vert"/>
+          </p:nvPr>
+        </p:nvSpPr>
+        <p:spPr>
+          <a:xfrm>
+            <a:off x="8839200" y="274639"/>
+            <a:ext cx="2743200" cy="5851525"/>
+          </a:xfrm>
+        </p:spPr>
+        <p:txBody>
+          <a:bodyPr vert="eaVert"/>
+          <a:lstStyle/>
+          <a:p>
+            <a:r>
+              <a:rPr lang="zh-TW" altLang="en-US" smtClean="0"/>
+              <a:t>按一下以編輯母片標題樣式</a:t>
+            </a:r>
+            <a:endParaRPr lang="zh-TW" altLang="en-US"/>
+          </a:p>
+        </p:txBody>
+      </p:sp>
+      <p:sp>
+        <p:nvSpPr>
+          <p:cNvPr id="3" name="直排文字版面配置區 2"/>
+          <p:cNvSpPr>
+            <a:spLocks noGrp="1"/>
+          </p:cNvSpPr>
+          <p:nvPr>
+            <p:ph type="body" orient="vert" idx="1"/>
+          </p:nvPr>
+        </p:nvSpPr>
+        <p:spPr>
+          <a:xfrm>
+            <a:off x="609600" y="274639"/>
+            <a:ext cx="8026400" cy="5851525"/>
+          </a:xfrm>
+        </p:spPr>
+        <p:txBody>
+          <a:bodyPr vert="eaVert"/>
+          <a:lstStyle/>
+          <a:p>
+            <a:pPr lvl="0"/>
+            <a:r>
+              <a:rPr lang="zh-TW" altLang="en-US" smtClean="0"/>
+              <a:t>按一下以編輯母片文字樣式</a:t>
+            </a:r>
+          </a:p>
+          <a:p>
+            <a:pPr lvl="1"/>
+            <a:r>
+              <a:rPr lang="zh-TW" altLang="en-US" smtClean="0"/>
+              <a:t>第二層</a:t>
+            </a:r>
+          </a:p>
+          <a:p>
+            <a:pPr lvl="2"/>
+            <a:r>
+              <a:rPr lang="zh-TW" altLang="en-US" smtClean="0"/>
+              <a:t>第三層</a:t>
+            </a:r>
+          </a:p>
+          <a:p>
+            <a:pPr lvl="3"/>
+            <a:r>
+              <a:rPr lang="zh-TW" altLang="en-US" smtClean="0"/>
+              <a:t>第四層</a:t>
+            </a:r>
+          </a:p>
+          <a:p>
+            <a:pPr lvl="4"/>
+            <a:r>
+              <a:rPr lang="zh-TW" altLang="en-US" smtClean="0"/>
+              <a:t>第五層</a:t>
+            </a:r>
+            <a:endParaRPr lang="zh-TW" altLang="en-US"/>
+          </a:p>
+        </p:txBody>
+      </p:sp>
+      <p:sp>
+        <p:nvSpPr>
+          <p:cNvPr id="4" name="日期版面配置區 3"/>
+          <p:cNvSpPr>
+            <a:spLocks noGrp="1"/>
+          </p:cNvSpPr>
+          <p:nvPr>
+            <p:ph type="dt" sz="half" idx="10"/>
+          </p:nvPr>
+        </p:nvSpPr>
+        <p:spPr/>
+        <p:txBody>
+          <a:bodyPr/>
+          <a:lstStyle/>
+          <a:p>
+            <a:fld id="{E54F3484-B03C-4C27-B53A-08BBCD0F965D}" type="datetimeFigureOut">
+              <a:rPr lang="zh-TW" altLang="en-US" smtClean="0"/>
+              <a:pPr/>
+              <a:t>2020/8/2</a:t>
+            </a:fld>
+            <a:endParaRPr lang="zh-TW" altLang="en-US"/>
+          </a:p>
+        </p:txBody>
+      </p:sp>
+      <p:sp>
+        <p:nvSpPr>
+          <p:cNvPr id="5" name="頁尾版面配置區 4"/>
+          <p:cNvSpPr>
+            <a:spLocks noGrp="1"/>
+          </p:cNvSpPr>
+          <p:nvPr>
+            <p:ph type="ftr" sz="quarter" idx="11"/>
+          </p:nvPr>
+        </p:nvSpPr>
+        <p:spPr/>
+        <p:txBody>
+          <a:bodyPr/>
+          <a:lstStyle/>
+          <a:p>
+            <a:endParaRPr lang="zh-TW" altLang="en-US"/>
+          </a:p>
+        </p:txBody>
+      </p:sp>
+      <p:sp>
+        <p:nvSpPr>
+          <p:cNvPr id="6" name="投影片編號版面配置區 5"/>
+          <p:cNvSpPr>
+            <a:spLocks noGrp="1"/>
+          </p:cNvSpPr>
+          <p:nvPr>
+            <p:ph type="sldNum" sz="quarter" idx="12"/>
+          </p:nvPr>
+        </p:nvSpPr>
+        <p:spPr/>
+        <p:txBody>
+          <a:bodyPr/>
+          <a:lstStyle/>
+          <a:p>
+            <a:fld id="{FE8BB367-45BD-47CD-AFF1-8196ABE895B5}" type="slidenum">
+              <a:rPr lang="zh-TW" altLang="en-US" smtClean="0"/>
+              <a:pPr/>
+              <a:t>‹#›</a:t>
+            </a:fld>
+            <a:endParaRPr lang="zh-TW" altLang="en-US"/>
+          </a:p>
+        </p:txBody>
+      </p:sp>
+    </p:spTree>
+  </p:cSld>
+  <p:clrMapOvr>
+    <a:masterClrMapping/>
+  </p:clrMapOvr>
+</p:sldLayout>
+</file>
+
+<file path=ppt/slideLayouts/slideLayout3.xml><?xml version="1.0" encoding="utf-8"?>
+<p:sldLayout xmlns:a="http://schemas.openxmlformats.org/drawingml/2006/main" xmlns:r="http://schemas.openxmlformats.org/officeDocument/2006/relationships" xmlns:p="http://schemas.openxmlformats.org/presentationml/2006/main" type="secHead" preserve="1">
+  <p:cSld name="章節標題">
+    <p:spTree>
+      <p:nvGrpSpPr>
+        <p:cNvPr id="1" name=""/>
+        <p:cNvGrpSpPr/>
+        <p:nvPr/>
+      </p:nvGrpSpPr>
+      <p:grpSpPr>
+        <a:xfrm>
+          <a:off x="0" y="0"/>
+          <a:ext cx="0" cy="0"/>
+          <a:chOff x="0" y="0"/>
+          <a:chExt cx="0" cy="0"/>
+        </a:xfrm>
+      </p:grpSpPr>
+      <p:sp>
+        <p:nvSpPr>
+          <p:cNvPr id="2" name="標題 1"/>
+          <p:cNvSpPr>
+            <a:spLocks noGrp="1"/>
+          </p:cNvSpPr>
+          <p:nvPr>
+            <p:ph type="title"/>
+          </p:nvPr>
+        </p:nvSpPr>
+        <p:spPr>
+          <a:xfrm>
+            <a:off x="963084" y="4406901"/>
+            <a:ext cx="10363200" cy="1362075"/>
+          </a:xfrm>
+        </p:spPr>
+        <p:txBody>
+          <a:bodyPr anchor="t"/>
+          <a:lstStyle>
+            <a:lvl1pPr algn="l">
+              <a:defRPr sz="4000" b="1" cap="all"/>
+            </a:lvl1pPr>
+          </a:lstStyle>
+          <a:p>
+            <a:r>
+              <a:rPr lang="zh-TW" altLang="en-US" smtClean="0"/>
+              <a:t>按一下以編輯母片標題樣式</a:t>
+            </a:r>
+            <a:endParaRPr lang="zh-TW" altLang="en-US"/>
+          </a:p>
+        </p:txBody>
+      </p:sp>
+      <p:sp>
+        <p:nvSpPr>
+          <p:cNvPr id="3" name="文字版面配置區 2"/>
+          <p:cNvSpPr>
+            <a:spLocks noGrp="1"/>
+          </p:cNvSpPr>
+          <p:nvPr>
+            <p:ph type="body" idx="1"/>
+          </p:nvPr>
+        </p:nvSpPr>
+        <p:spPr>
+          <a:xfrm>
+            <a:off x="963084" y="2906713"/>
+            <a:ext cx="10363200" cy="1500187"/>
+          </a:xfrm>
+        </p:spPr>
+        <p:txBody>
+          <a:bodyPr anchor="b"/>
+          <a:lstStyle>
+            <a:lvl1pPr marL="0" indent="0">
+              <a:buNone/>
+              <a:defRPr sz="2000">
+                <a:solidFill>
+                  <a:schemeClr val="tx1">
+                    <a:tint val="75000"/>
+                  </a:schemeClr>
+                </a:solidFill>
+              </a:defRPr>
+            </a:lvl1pPr>
+            <a:lvl2pPr marL="457200" indent="0">
+              <a:buNone/>
+              <a:defRPr sz="1800">
+                <a:solidFill>
+                  <a:schemeClr val="tx1">
+                    <a:tint val="75000"/>
+                  </a:schemeClr>
+                </a:solidFill>
+              </a:defRPr>
+            </a:lvl2pPr>
+            <a:lvl3pPr marL="914400" indent="0">
+              <a:buNone/>
+              <a:defRPr sz="1600">
+                <a:solidFill>
+                  <a:schemeClr val="tx1">
+                    <a:tint val="75000"/>
+                  </a:schemeClr>
+                </a:solidFill>
+              </a:defRPr>
+            </a:lvl3pPr>
+            <a:lvl4pPr marL="1371600" indent="0">
+              <a:buNone/>
+              <a:defRPr sz="1400">
+                <a:solidFill>
+                  <a:schemeClr val="tx1">
+                    <a:tint val="75000"/>
+                  </a:schemeClr>
+                </a:solidFill>
+              </a:defRPr>
+            </a:lvl4pPr>
+            <a:lvl5pPr marL="1828800" indent="0">
+              <a:buNone/>
+              <a:defRPr sz="1400">
+                <a:solidFill>
+                  <a:schemeClr val="tx1">
+                    <a:tint val="75000"/>
+                  </a:schemeClr>
+                </a:solidFill>
+              </a:defRPr>
+            </a:lvl5pPr>
+            <a:lvl6pPr marL="2286000" indent="0">
+              <a:buNone/>
+              <a:defRPr sz="1400">
+                <a:solidFill>
+                  <a:schemeClr val="tx1">
+                    <a:tint val="75000"/>
+                  </a:schemeClr>
+                </a:solidFill>
+              </a:defRPr>
+            </a:lvl6pPr>
+            <a:lvl7pPr marL="2743200" indent="0">
+              <a:buNone/>
+              <a:defRPr sz="1400">
+                <a:solidFill>
+                  <a:schemeClr val="tx1">
+                    <a:tint val="75000"/>
+                  </a:schemeClr>
+                </a:solidFill>
+              </a:defRPr>
+            </a:lvl7pPr>
+            <a:lvl8pPr marL="3200400" indent="0">
+              <a:buNone/>
+              <a:defRPr sz="1400">
+                <a:solidFill>
+                  <a:schemeClr val="tx1">
+                    <a:tint val="75000"/>
+                  </a:schemeClr>
+                </a:solidFill>
+              </a:defRPr>
+            </a:lvl8pPr>
+            <a:lvl9pPr marL="3657600" indent="0">
+              <a:buNone/>
+              <a:defRPr sz="1400">
+                <a:solidFill>
+                  <a:schemeClr val="tx1">
+                    <a:tint val="75000"/>
+                  </a:schemeClr>
+                </a:solidFill>
+              </a:defRPr>
+            </a:lvl9pPr>
+          </a:lstStyle>
+          <a:p>
+            <a:pPr lvl="0"/>
+            <a:r>
+              <a:rPr lang="zh-TW" altLang="en-US" smtClean="0"/>
+              <a:t>按一下以編輯母片文字樣式</a:t>
+            </a:r>
+          </a:p>
+        </p:txBody>
+      </p:sp>
+      <p:sp>
+        <p:nvSpPr>
+          <p:cNvPr id="4" name="日期版面配置區 3"/>
+          <p:cNvSpPr>
+            <a:spLocks noGrp="1"/>
+          </p:cNvSpPr>
+          <p:nvPr>
+            <p:ph type="dt" sz="half" idx="10"/>
+          </p:nvPr>
+        </p:nvSpPr>
+        <p:spPr/>
+        <p:txBody>
+          <a:bodyPr/>
+          <a:lstStyle/>
+          <a:p>
+            <a:fld id="{E54F3484-B03C-4C27-B53A-08BBCD0F965D}" type="datetimeFigureOut">
+              <a:rPr lang="zh-TW" altLang="en-US" smtClean="0"/>
+              <a:pPr/>
+              <a:t>2020/8/2</a:t>
+            </a:fld>
+            <a:endParaRPr lang="zh-TW" altLang="en-US"/>
+          </a:p>
+        </p:txBody>
+      </p:sp>
+      <p:sp>
+        <p:nvSpPr>
+          <p:cNvPr id="5" name="頁尾版面配置區 4"/>
+          <p:cNvSpPr>
+            <a:spLocks noGrp="1"/>
+          </p:cNvSpPr>
+          <p:nvPr>
+            <p:ph type="ftr" sz="quarter" idx="11"/>
+          </p:nvPr>
+        </p:nvSpPr>
+        <p:spPr/>
+        <p:txBody>
+          <a:bodyPr/>
+          <a:lstStyle/>
+          <a:p>
+            <a:endParaRPr lang="zh-TW" altLang="en-US"/>
+          </a:p>
+        </p:txBody>
+      </p:sp>
+      <p:sp>
+        <p:nvSpPr>
+          <p:cNvPr id="6" name="投影片編號版面配置區 5"/>
+          <p:cNvSpPr>
+            <a:spLocks noGrp="1"/>
+          </p:cNvSpPr>
+          <p:nvPr>
+            <p:ph type="sldNum" sz="quarter" idx="12"/>
+          </p:nvPr>
+        </p:nvSpPr>
+        <p:spPr/>
+        <p:txBody>
+          <a:bodyPr/>
+          <a:lstStyle/>
+          <a:p>
+            <a:fld id="{FE8BB367-45BD-47CD-AFF1-8196ABE895B5}" type="slidenum">
+              <a:rPr lang="zh-TW" altLang="en-US" smtClean="0"/>
+              <a:pPr/>
+              <a:t>‹#›</a:t>
+            </a:fld>
+            <a:endParaRPr lang="zh-TW" altLang="en-US"/>
+          </a:p>
+        </p:txBody>
+      </p:sp>
+    </p:spTree>
+    <p:extLst>
+      <p:ext uri="{BB962C8B-B14F-4D97-AF65-F5344CB8AC3E}">
+        <p14:creationId xmlns:p14="http://schemas.microsoft.com/office/powerpoint/2010/main" xmlns="" val="1393181595"/>
+      </p:ext>
+    </p:extLst>
+  </p:cSld>
+  <p:clrMapOvr>
+    <a:masterClrMapping/>
+  </p:clrMapOvr>
+</p:sldLayout>
+</file>
+
+<file path=ppt/slideLayouts/slideLayout4.xml><?xml version="1.0" encoding="utf-8"?>
+<p:sldLayout xmlns:a="http://schemas.openxmlformats.org/drawingml/2006/main" xmlns:r="http://schemas.openxmlformats.org/officeDocument/2006/relationships" xmlns:p="http://schemas.openxmlformats.org/presentationml/2006/main" type="twoObj" preserve="1">
+  <p:cSld name="兩項物件">
+    <p:spTree>
+      <p:nvGrpSpPr>
+        <p:cNvPr id="1" name=""/>
+        <p:cNvGrpSpPr/>
+        <p:nvPr/>
+      </p:nvGrpSpPr>
+      <p:grpSpPr>
+        <a:xfrm>
+          <a:off x="0" y="0"/>
+          <a:ext cx="0" cy="0"/>
+          <a:chOff x="0" y="0"/>
+          <a:chExt cx="0" cy="0"/>
+        </a:xfrm>
+      </p:grpSpPr>
+      <p:sp>
+        <p:nvSpPr>
+          <p:cNvPr id="2" name="標題 1"/>
+          <p:cNvSpPr>
+            <a:spLocks noGrp="1"/>
+          </p:cNvSpPr>
+          <p:nvPr>
+            <p:ph type="title"/>
+          </p:nvPr>
+        </p:nvSpPr>
+        <p:spPr/>
+        <p:txBody>
+          <a:bodyPr/>
+          <a:lstStyle/>
+          <a:p>
+            <a:r>
+              <a:rPr lang="zh-TW" altLang="en-US" smtClean="0"/>
+              <a:t>按一下以編輯母片標題樣式</a:t>
+            </a:r>
+            <a:endParaRPr lang="zh-TW" altLang="en-US"/>
+          </a:p>
+        </p:txBody>
+      </p:sp>
+      <p:sp>
+        <p:nvSpPr>
+          <p:cNvPr id="3" name="內容版面配置區 2"/>
+          <p:cNvSpPr>
+            <a:spLocks noGrp="1"/>
+          </p:cNvSpPr>
+          <p:nvPr>
+            <p:ph sz="half" idx="1"/>
+          </p:nvPr>
+        </p:nvSpPr>
+        <p:spPr>
+          <a:xfrm>
+            <a:off x="609600" y="1600201"/>
+            <a:ext cx="5384800" cy="4525963"/>
+          </a:xfrm>
+        </p:spPr>
+        <p:txBody>
+          <a:bodyPr/>
+          <a:lstStyle>
+            <a:lvl1pPr>
+              <a:defRPr sz="2800"/>
+            </a:lvl1pPr>
+            <a:lvl2pPr>
+              <a:defRPr sz="2400"/>
+            </a:lvl2pPr>
+            <a:lvl3pPr>
+              <a:defRPr sz="2000"/>
+            </a:lvl3pPr>
+            <a:lvl4pPr>
+              <a:defRPr sz="1800"/>
+            </a:lvl4pPr>
+            <a:lvl5pPr>
+              <a:defRPr sz="1800"/>
+            </a:lvl5pPr>
+            <a:lvl6pPr>
+              <a:defRPr sz="1800"/>
+            </a:lvl6pPr>
+            <a:lvl7pPr>
+              <a:defRPr sz="1800"/>
+            </a:lvl7pPr>
+            <a:lvl8pPr>
+              <a:defRPr sz="1800"/>
+            </a:lvl8pPr>
+            <a:lvl9pPr>
+              <a:defRPr sz="1800"/>
+            </a:lvl9pPr>
+          </a:lstStyle>
+          <a:p>
+            <a:pPr lvl="0"/>
+            <a:r>
+              <a:rPr lang="zh-TW" altLang="en-US" smtClean="0"/>
+              <a:t>按一下以編輯母片文字樣式</a:t>
+            </a:r>
+          </a:p>
+          <a:p>
+            <a:pPr lvl="1"/>
+            <a:r>
+              <a:rPr lang="zh-TW" altLang="en-US" smtClean="0"/>
+              <a:t>第二層</a:t>
+            </a:r>
+          </a:p>
+          <a:p>
+            <a:pPr lvl="2"/>
+            <a:r>
+              <a:rPr lang="zh-TW" altLang="en-US" smtClean="0"/>
+              <a:t>第三層</a:t>
+            </a:r>
+          </a:p>
+          <a:p>
+            <a:pPr lvl="3"/>
+            <a:r>
+              <a:rPr lang="zh-TW" altLang="en-US" smtClean="0"/>
+              <a:t>第四層</a:t>
+            </a:r>
+          </a:p>
+          <a:p>
+            <a:pPr lvl="4"/>
+            <a:r>
+              <a:rPr lang="zh-TW" altLang="en-US" smtClean="0"/>
+              <a:t>第五層</a:t>
+            </a:r>
+            <a:endParaRPr lang="zh-TW" altLang="en-US"/>
+          </a:p>
+        </p:txBody>
+      </p:sp>
+      <p:sp>
+        <p:nvSpPr>
+          <p:cNvPr id="4" name="內容版面配置區 3"/>
+          <p:cNvSpPr>
+            <a:spLocks noGrp="1"/>
+          </p:cNvSpPr>
+          <p:nvPr>
+            <p:ph sz="half" idx="2"/>
+          </p:nvPr>
+        </p:nvSpPr>
+        <p:spPr>
+          <a:xfrm>
+            <a:off x="6197600" y="1600201"/>
+            <a:ext cx="5384800" cy="4525963"/>
+          </a:xfrm>
+        </p:spPr>
+        <p:txBody>
+          <a:bodyPr/>
+          <a:lstStyle>
+            <a:lvl1pPr>
+              <a:defRPr sz="2800"/>
+            </a:lvl1pPr>
+            <a:lvl2pPr>
+              <a:defRPr sz="2400"/>
+            </a:lvl2pPr>
+            <a:lvl3pPr>
+              <a:defRPr sz="2000"/>
+            </a:lvl3pPr>
+            <a:lvl4pPr>
+              <a:defRPr sz="1800"/>
+            </a:lvl4pPr>
+            <a:lvl5pPr>
+              <a:defRPr sz="1800"/>
+            </a:lvl5pPr>
+            <a:lvl6pPr>
+              <a:defRPr sz="1800"/>
+            </a:lvl6pPr>
+            <a:lvl7pPr>
+              <a:defRPr sz="1800"/>
+            </a:lvl7pPr>
+            <a:lvl8pPr>
+              <a:defRPr sz="1800"/>
+            </a:lvl8pPr>
+            <a:lvl9pPr>
+              <a:defRPr sz="1800"/>
+            </a:lvl9pPr>
+          </a:lstStyle>
+          <a:p>
+            <a:pPr lvl="0"/>
+            <a:r>
+              <a:rPr lang="zh-TW" altLang="en-US" smtClean="0"/>
+              <a:t>按一下以編輯母片文字樣式</a:t>
+            </a:r>
+          </a:p>
+          <a:p>
+            <a:pPr lvl="1"/>
+            <a:r>
+              <a:rPr lang="zh-TW" altLang="en-US" smtClean="0"/>
+              <a:t>第二層</a:t>
+            </a:r>
+          </a:p>
+          <a:p>
+            <a:pPr lvl="2"/>
+            <a:r>
+              <a:rPr lang="zh-TW" altLang="en-US" smtClean="0"/>
+              <a:t>第三層</a:t>
+            </a:r>
+          </a:p>
+          <a:p>
+            <a:pPr lvl="3"/>
+            <a:r>
+              <a:rPr lang="zh-TW" altLang="en-US" smtClean="0"/>
+              <a:t>第四層</a:t>
+            </a:r>
+          </a:p>
+          <a:p>
+            <a:pPr lvl="4"/>
+            <a:r>
+              <a:rPr lang="zh-TW" altLang="en-US" smtClean="0"/>
+              <a:t>第五層</a:t>
+            </a:r>
+            <a:endParaRPr lang="zh-TW" altLang="en-US"/>
+          </a:p>
+        </p:txBody>
+      </p:sp>
+      <p:sp>
+        <p:nvSpPr>
+          <p:cNvPr id="5" name="日期版面配置區 4"/>
+          <p:cNvSpPr>
+            <a:spLocks noGrp="1"/>
+          </p:cNvSpPr>
+          <p:nvPr>
+            <p:ph type="dt" sz="half" idx="10"/>
+          </p:nvPr>
+        </p:nvSpPr>
+        <p:spPr/>
+        <p:txBody>
+          <a:bodyPr/>
+          <a:lstStyle/>
+          <a:p>
+            <a:fld id="{E54F3484-B03C-4C27-B53A-08BBCD0F965D}" type="datetimeFigureOut">
+              <a:rPr lang="zh-TW" altLang="en-US" smtClean="0"/>
+              <a:pPr/>
+              <a:t>2020/8/2</a:t>
+            </a:fld>
+            <a:endParaRPr lang="zh-TW" altLang="en-US"/>
+          </a:p>
+        </p:txBody>
+      </p:sp>
+      <p:sp>
+        <p:nvSpPr>
+          <p:cNvPr id="6" name="頁尾版面配置區 5"/>
+          <p:cNvSpPr>
+            <a:spLocks noGrp="1"/>
+          </p:cNvSpPr>
+          <p:nvPr>
+            <p:ph type="ftr" sz="quarter" idx="11"/>
+          </p:nvPr>
+        </p:nvSpPr>
+        <p:spPr/>
+        <p:txBody>
+          <a:bodyPr/>
+          <a:lstStyle/>
+          <a:p>
+            <a:endParaRPr lang="zh-TW" altLang="en-US"/>
+          </a:p>
+        </p:txBody>
+      </p:sp>
+      <p:sp>
+        <p:nvSpPr>
+          <p:cNvPr id="7" name="投影片編號版面配置區 6"/>
+          <p:cNvSpPr>
+            <a:spLocks noGrp="1"/>
+          </p:cNvSpPr>
+          <p:nvPr>
+            <p:ph type="sldNum" sz="quarter" idx="12"/>
+          </p:nvPr>
+        </p:nvSpPr>
+        <p:spPr/>
+        <p:txBody>
+          <a:bodyPr/>
+          <a:lstStyle/>
+          <a:p>
+            <a:fld id="{FE8BB367-45BD-47CD-AFF1-8196ABE895B5}" type="slidenum">
+              <a:rPr lang="zh-TW" altLang="en-US" smtClean="0"/>
+              <a:pPr/>
+              <a:t>‹#›</a:t>
+            </a:fld>
+            <a:endParaRPr lang="zh-TW" altLang="en-US"/>
+          </a:p>
+        </p:txBody>
+      </p:sp>
+    </p:spTree>
+    <p:extLst>
+      <p:ext uri="{BB962C8B-B14F-4D97-AF65-F5344CB8AC3E}">
+        <p14:creationId xmlns:p14="http://schemas.microsoft.com/office/powerpoint/2010/main" xmlns="" val="1313305365"/>
+      </p:ext>
+    </p:extLst>
+  </p:cSld>
+  <p:clrMapOvr>
+    <a:masterClrMapping/>
+  </p:clrMapOvr>
+</p:sldLayout>
+</file>
+
+<file path=ppt/slideLayouts/slideLayout5.xml><?xml version="1.0" encoding="utf-8"?>
+<p:sldLayout xmlns:a="http://schemas.openxmlformats.org/drawingml/2006/main" xmlns:r="http://schemas.openxmlformats.org/officeDocument/2006/relationships" xmlns:p="http://schemas.openxmlformats.org/presentationml/2006/main" type="twoTxTwoObj" preserve="1">
+  <p:cSld name="比對">
+    <p:spTree>
+      <p:nvGrpSpPr>
+        <p:cNvPr id="1" name=""/>
+        <p:cNvGrpSpPr/>
+        <p:nvPr/>
+      </p:nvGrpSpPr>
+      <p:grpSpPr>
+        <a:xfrm>
+          <a:off x="0" y="0"/>
+          <a:ext cx="0" cy="0"/>
+          <a:chOff x="0" y="0"/>
+          <a:chExt cx="0" cy="0"/>
+        </a:xfrm>
+      </p:grpSpPr>
+      <p:sp>
+        <p:nvSpPr>
+          <p:cNvPr id="2" name="標題 1"/>
+          <p:cNvSpPr>
+            <a:spLocks noGrp="1"/>
+          </p:cNvSpPr>
+          <p:nvPr>
+            <p:ph type="title"/>
+          </p:nvPr>
+        </p:nvSpPr>
+        <p:spPr/>
+        <p:txBody>
+          <a:bodyPr/>
+          <a:lstStyle>
+            <a:lvl1pPr>
+              <a:defRPr/>
+            </a:lvl1pPr>
+          </a:lstStyle>
+          <a:p>
+            <a:r>
+              <a:rPr lang="zh-TW" altLang="en-US" smtClean="0"/>
+              <a:t>按一下以編輯母片標題樣式</a:t>
+            </a:r>
+            <a:endParaRPr lang="zh-TW" altLang="en-US"/>
+          </a:p>
+        </p:txBody>
+      </p:sp>
+      <p:sp>
+        <p:nvSpPr>
+          <p:cNvPr id="3" name="文字版面配置區 2"/>
+          <p:cNvSpPr>
+            <a:spLocks noGrp="1"/>
+          </p:cNvSpPr>
+          <p:nvPr>
+            <p:ph type="body" idx="1"/>
+          </p:nvPr>
+        </p:nvSpPr>
+        <p:spPr>
+          <a:xfrm>
+            <a:off x="609600" y="1535113"/>
+            <a:ext cx="5386917" cy="639762"/>
+          </a:xfrm>
+        </p:spPr>
+        <p:txBody>
+          <a:bodyPr anchor="b"/>
+          <a:lstStyle>
+            <a:lvl1pPr marL="0" indent="0">
+              <a:buNone/>
+              <a:defRPr sz="2400" b="1"/>
+            </a:lvl1pPr>
+            <a:lvl2pPr marL="457200" indent="0">
+              <a:buNone/>
+              <a:defRPr sz="2000" b="1"/>
+            </a:lvl2pPr>
+            <a:lvl3pPr marL="914400" indent="0">
+              <a:buNone/>
+              <a:defRPr sz="1800" b="1"/>
+            </a:lvl3pPr>
+            <a:lvl4pPr marL="1371600" indent="0">
+              <a:buNone/>
+              <a:defRPr sz="1600" b="1"/>
+            </a:lvl4pPr>
+            <a:lvl5pPr marL="1828800" indent="0">
+              <a:buNone/>
+              <a:defRPr sz="1600" b="1"/>
+            </a:lvl5pPr>
+            <a:lvl6pPr marL="2286000" indent="0">
+              <a:buNone/>
+              <a:defRPr sz="1600" b="1"/>
+            </a:lvl6pPr>
+            <a:lvl7pPr marL="2743200" indent="0">
+              <a:buNone/>
+              <a:defRPr sz="1600" b="1"/>
+            </a:lvl7pPr>
+            <a:lvl8pPr marL="3200400" indent="0">
+              <a:buNone/>
+              <a:defRPr sz="1600" b="1"/>
+            </a:lvl8pPr>
+            <a:lvl9pPr marL="3657600" indent="0">
+              <a:buNone/>
+              <a:defRPr sz="1600" b="1"/>
+            </a:lvl9pPr>
+          </a:lstStyle>
+          <a:p>
+            <a:pPr lvl="0"/>
+            <a:r>
+              <a:rPr lang="zh-TW" altLang="en-US" smtClean="0"/>
+              <a:t>按一下以編輯母片文字樣式</a:t>
+            </a:r>
+          </a:p>
+        </p:txBody>
+      </p:sp>
+      <p:sp>
+        <p:nvSpPr>
+          <p:cNvPr id="4" name="內容版面配置區 3"/>
+          <p:cNvSpPr>
+            <a:spLocks noGrp="1"/>
+          </p:cNvSpPr>
+          <p:nvPr>
+            <p:ph sz="half" idx="2"/>
+          </p:nvPr>
+        </p:nvSpPr>
+        <p:spPr>
+          <a:xfrm>
+            <a:off x="609600" y="2174875"/>
+            <a:ext cx="5386917" cy="3951288"/>
+          </a:xfrm>
+        </p:spPr>
+        <p:txBody>
+          <a:bodyPr/>
+          <a:lstStyle>
+            <a:lvl1pPr>
+              <a:defRPr sz="2400"/>
+            </a:lvl1pPr>
+            <a:lvl2pPr>
+              <a:defRPr sz="2000"/>
+            </a:lvl2pPr>
+            <a:lvl3pPr>
+              <a:defRPr sz="1800"/>
+            </a:lvl3pPr>
+            <a:lvl4pPr>
+              <a:defRPr sz="1600"/>
+            </a:lvl4pPr>
+            <a:lvl5pPr>
+              <a:defRPr sz="1600"/>
+            </a:lvl5pPr>
+            <a:lvl6pPr>
+              <a:defRPr sz="1600"/>
+            </a:lvl6pPr>
+            <a:lvl7pPr>
+              <a:defRPr sz="1600"/>
+            </a:lvl7pPr>
+            <a:lvl8pPr>
+              <a:defRPr sz="1600"/>
+            </a:lvl8pPr>
+            <a:lvl9pPr>
+              <a:defRPr sz="1600"/>
+            </a:lvl9pPr>
+          </a:lstStyle>
+          <a:p>
+            <a:pPr lvl="0"/>
+            <a:r>
+              <a:rPr lang="zh-TW" altLang="en-US" smtClean="0"/>
+              <a:t>按一下以編輯母片文字樣式</a:t>
+            </a:r>
+          </a:p>
+          <a:p>
+            <a:pPr lvl="1"/>
+            <a:r>
+              <a:rPr lang="zh-TW" altLang="en-US" smtClean="0"/>
+              <a:t>第二層</a:t>
+            </a:r>
+          </a:p>
+          <a:p>
+            <a:pPr lvl="2"/>
+            <a:r>
+              <a:rPr lang="zh-TW" altLang="en-US" smtClean="0"/>
+              <a:t>第三層</a:t>
+            </a:r>
+          </a:p>
+          <a:p>
+            <a:pPr lvl="3"/>
+            <a:r>
+              <a:rPr lang="zh-TW" altLang="en-US" smtClean="0"/>
+              <a:t>第四層</a:t>
+            </a:r>
+          </a:p>
+          <a:p>
+            <a:pPr lvl="4"/>
+            <a:r>
+              <a:rPr lang="zh-TW" altLang="en-US" smtClean="0"/>
+              <a:t>第五層</a:t>
+            </a:r>
+            <a:endParaRPr lang="zh-TW" altLang="en-US"/>
+          </a:p>
+        </p:txBody>
+      </p:sp>
+      <p:sp>
+        <p:nvSpPr>
+          <p:cNvPr id="5" name="文字版面配置區 4"/>
+          <p:cNvSpPr>
+            <a:spLocks noGrp="1"/>
+          </p:cNvSpPr>
+          <p:nvPr>
+            <p:ph type="body" sz="quarter" idx="3"/>
+          </p:nvPr>
+        </p:nvSpPr>
+        <p:spPr>
+          <a:xfrm>
+            <a:off x="6193368" y="1535113"/>
+            <a:ext cx="5389033" cy="639762"/>
+          </a:xfrm>
+        </p:spPr>
+        <p:txBody>
+          <a:bodyPr anchor="b"/>
+          <a:lstStyle>
+            <a:lvl1pPr marL="0" indent="0">
+              <a:buNone/>
+              <a:defRPr sz="2400" b="1"/>
+            </a:lvl1pPr>
+            <a:lvl2pPr marL="457200" indent="0">
+              <a:buNone/>
+              <a:defRPr sz="2000" b="1"/>
+            </a:lvl2pPr>
+            <a:lvl3pPr marL="914400" indent="0">
+              <a:buNone/>
+              <a:defRPr sz="1800" b="1"/>
+            </a:lvl3pPr>
+            <a:lvl4pPr marL="1371600" indent="0">
+              <a:buNone/>
+              <a:defRPr sz="1600" b="1"/>
+            </a:lvl4pPr>
+            <a:lvl5pPr marL="1828800" indent="0">
+              <a:buNone/>
+              <a:defRPr sz="1600" b="1"/>
+            </a:lvl5pPr>
+            <a:lvl6pPr marL="2286000" indent="0">
+              <a:buNone/>
+              <a:defRPr sz="1600" b="1"/>
+            </a:lvl6pPr>
+            <a:lvl7pPr marL="2743200" indent="0">
+              <a:buNone/>
+              <a:defRPr sz="1600" b="1"/>
+            </a:lvl7pPr>
+            <a:lvl8pPr marL="3200400" indent="0">
+              <a:buNone/>
+              <a:defRPr sz="1600" b="1"/>
+            </a:lvl8pPr>
+            <a:lvl9pPr marL="3657600" indent="0">
+              <a:buNone/>
+              <a:defRPr sz="1600" b="1"/>
+            </a:lvl9pPr>
+          </a:lstStyle>
+          <a:p>
+            <a:pPr lvl="0"/>
+            <a:r>
+              <a:rPr lang="zh-TW" altLang="en-US" smtClean="0"/>
+              <a:t>按一下以編輯母片文字樣式</a:t>
+            </a:r>
+          </a:p>
+        </p:txBody>
+      </p:sp>
+      <p:sp>
+        <p:nvSpPr>
+          <p:cNvPr id="6" name="內容版面配置區 5"/>
+          <p:cNvSpPr>
+            <a:spLocks noGrp="1"/>
+          </p:cNvSpPr>
+          <p:nvPr>
+            <p:ph sz="quarter" idx="4"/>
+          </p:nvPr>
+        </p:nvSpPr>
+        <p:spPr>
+          <a:xfrm>
+            <a:off x="6193368" y="2174875"/>
+            <a:ext cx="5389033" cy="3951288"/>
+          </a:xfrm>
+        </p:spPr>
+        <p:txBody>
+          <a:bodyPr/>
+          <a:lstStyle>
+            <a:lvl1pPr>
+              <a:defRPr sz="2400"/>
+            </a:lvl1pPr>
+            <a:lvl2pPr>
+              <a:defRPr sz="2000"/>
+            </a:lvl2pPr>
+            <a:lvl3pPr>
+              <a:defRPr sz="1800"/>
+            </a:lvl3pPr>
+            <a:lvl4pPr>
+              <a:defRPr sz="1600"/>
+            </a:lvl4pPr>
+            <a:lvl5pPr>
+              <a:defRPr sz="1600"/>
+            </a:lvl5pPr>
+            <a:lvl6pPr>
+              <a:defRPr sz="1600"/>
+            </a:lvl6pPr>
+            <a:lvl7pPr>
+              <a:defRPr sz="1600"/>
+            </a:lvl7pPr>
+            <a:lvl8pPr>
+              <a:defRPr sz="1600"/>
+            </a:lvl8pPr>
+            <a:lvl9pPr>
+              <a:defRPr sz="1600"/>
+            </a:lvl9pPr>
+          </a:lstStyle>
+          <a:p>
+            <a:pPr lvl="0"/>
+            <a:r>
+              <a:rPr lang="zh-TW" altLang="en-US" smtClean="0"/>
+              <a:t>按一下以編輯母片文字樣式</a:t>
+            </a:r>
+          </a:p>
+          <a:p>
+            <a:pPr lvl="1"/>
+            <a:r>
+              <a:rPr lang="zh-TW" altLang="en-US" smtClean="0"/>
+              <a:t>第二層</a:t>
+            </a:r>
+          </a:p>
+          <a:p>
+            <a:pPr lvl="2"/>
+            <a:r>
+              <a:rPr lang="zh-TW" altLang="en-US" smtClean="0"/>
+              <a:t>第三層</a:t>
+            </a:r>
+          </a:p>
+          <a:p>
+            <a:pPr lvl="3"/>
+            <a:r>
+              <a:rPr lang="zh-TW" altLang="en-US" smtClean="0"/>
+              <a:t>第四層</a:t>
+            </a:r>
+          </a:p>
+          <a:p>
+            <a:pPr lvl="4"/>
+            <a:r>
+              <a:rPr lang="zh-TW" altLang="en-US" smtClean="0"/>
+              <a:t>第五層</a:t>
+            </a:r>
+            <a:endParaRPr lang="zh-TW" altLang="en-US"/>
+          </a:p>
+        </p:txBody>
+      </p:sp>
+      <p:sp>
+        <p:nvSpPr>
+          <p:cNvPr id="7" name="日期版面配置區 6"/>
+          <p:cNvSpPr>
+            <a:spLocks noGrp="1"/>
+          </p:cNvSpPr>
+          <p:nvPr>
+            <p:ph type="dt" sz="half" idx="10"/>
+          </p:nvPr>
+        </p:nvSpPr>
+        <p:spPr/>
+        <p:txBody>
+          <a:bodyPr/>
+          <a:lstStyle/>
+          <a:p>
+            <a:fld id="{E54F3484-B03C-4C27-B53A-08BBCD0F965D}" type="datetimeFigureOut">
+              <a:rPr lang="zh-TW" altLang="en-US" smtClean="0"/>
+              <a:pPr/>
+              <a:t>2020/8/2</a:t>
+            </a:fld>
+            <a:endParaRPr lang="zh-TW" altLang="en-US"/>
+          </a:p>
+        </p:txBody>
+      </p:sp>
+      <p:sp>
+        <p:nvSpPr>
+          <p:cNvPr id="8" name="頁尾版面配置區 7"/>
+          <p:cNvSpPr>
+            <a:spLocks noGrp="1"/>
+          </p:cNvSpPr>
+          <p:nvPr>
+            <p:ph type="ftr" sz="quarter" idx="11"/>
+          </p:nvPr>
+        </p:nvSpPr>
+        <p:spPr/>
+        <p:txBody>
+          <a:bodyPr/>
+          <a:lstStyle/>
+          <a:p>
+            <a:endParaRPr lang="zh-TW" altLang="en-US"/>
+          </a:p>
+        </p:txBody>
+      </p:sp>
+      <p:sp>
+        <p:nvSpPr>
+          <p:cNvPr id="9" name="投影片編號版面配置區 8"/>
+          <p:cNvSpPr>
+            <a:spLocks noGrp="1"/>
+          </p:cNvSpPr>
+          <p:nvPr>
+            <p:ph type="sldNum" sz="quarter" idx="12"/>
+          </p:nvPr>
+        </p:nvSpPr>
+        <p:spPr/>
+        <p:txBody>
+          <a:bodyPr/>
+          <a:lstStyle/>
+          <a:p>
+            <a:fld id="{FE8BB367-45BD-47CD-AFF1-8196ABE895B5}" type="slidenum">
+              <a:rPr lang="zh-TW" altLang="en-US" smtClean="0"/>
+              <a:pPr/>
+              <a:t>‹#›</a:t>
+            </a:fld>
+            <a:endParaRPr lang="zh-TW" altLang="en-US"/>
+          </a:p>
+        </p:txBody>
+      </p:sp>
+    </p:spTree>
+    <p:extLst>
+      <p:ext uri="{BB962C8B-B14F-4D97-AF65-F5344CB8AC3E}">
+        <p14:creationId xmlns:p14="http://schemas.microsoft.com/office/powerpoint/2010/main" xmlns="" val="3517196885"/>
+      </p:ext>
+    </p:extLst>
+  </p:cSld>
+  <p:clrMapOvr>
+    <a:masterClrMapping/>
+  </p:clrMapOvr>
+</p:sldLayout>
+</file>
+
+<file path=ppt/slideLayouts/slideLayout6.xml><?xml version="1.0" encoding="utf-8"?>
+<p:sldLayout xmlns:a="http://schemas.openxmlformats.org/drawingml/2006/main" xmlns:r="http://schemas.openxmlformats.org/officeDocument/2006/relationships" xmlns:p="http://schemas.openxmlformats.org/presentationml/2006/main" type="titleOnly" preserve="1">
+  <p:cSld name="只有標題">
+    <p:spTree>
+      <p:nvGrpSpPr>
+        <p:cNvPr id="1" name=""/>
+        <p:cNvGrpSpPr/>
+        <p:nvPr/>
+      </p:nvGrpSpPr>
+      <p:grpSpPr>
+        <a:xfrm>
+          <a:off x="0" y="0"/>
+          <a:ext cx="0" cy="0"/>
+          <a:chOff x="0" y="0"/>
+          <a:chExt cx="0" cy="0"/>
+        </a:xfrm>
+      </p:grpSpPr>
+      <p:sp>
+        <p:nvSpPr>
+          <p:cNvPr id="2" name="標題 1"/>
+          <p:cNvSpPr>
+            <a:spLocks noGrp="1"/>
+          </p:cNvSpPr>
+          <p:nvPr>
+            <p:ph type="title"/>
+          </p:nvPr>
+        </p:nvSpPr>
+        <p:spPr/>
+        <p:txBody>
+          <a:bodyPr/>
+          <a:lstStyle/>
+          <a:p>
+            <a:r>
+              <a:rPr lang="zh-TW" altLang="en-US" smtClean="0"/>
+              <a:t>按一下以編輯母片標題樣式</a:t>
+            </a:r>
+            <a:endParaRPr lang="zh-TW" altLang="en-US"/>
+          </a:p>
+        </p:txBody>
+      </p:sp>
+      <p:sp>
+        <p:nvSpPr>
+          <p:cNvPr id="3" name="日期版面配置區 2"/>
+          <p:cNvSpPr>
+            <a:spLocks noGrp="1"/>
+          </p:cNvSpPr>
+          <p:nvPr>
+            <p:ph type="dt" sz="half" idx="10"/>
+          </p:nvPr>
+        </p:nvSpPr>
+        <p:spPr/>
+        <p:txBody>
+          <a:bodyPr/>
+          <a:lstStyle/>
+          <a:p>
+            <a:fld id="{E54F3484-B03C-4C27-B53A-08BBCD0F965D}" type="datetimeFigureOut">
+              <a:rPr lang="zh-TW" altLang="en-US" smtClean="0"/>
+              <a:pPr/>
+              <a:t>2020/8/2</a:t>
+            </a:fld>
+            <a:endParaRPr lang="zh-TW" altLang="en-US"/>
+          </a:p>
+        </p:txBody>
+      </p:sp>
+      <p:sp>
+        <p:nvSpPr>
+          <p:cNvPr id="4" name="頁尾版面配置區 3"/>
+          <p:cNvSpPr>
+            <a:spLocks noGrp="1"/>
+          </p:cNvSpPr>
+          <p:nvPr>
+            <p:ph type="ftr" sz="quarter" idx="11"/>
+          </p:nvPr>
+        </p:nvSpPr>
+        <p:spPr/>
+        <p:txBody>
+          <a:bodyPr/>
+          <a:lstStyle/>
+          <a:p>
+            <a:endParaRPr lang="zh-TW" altLang="en-US"/>
+          </a:p>
+        </p:txBody>
+      </p:sp>
+      <p:sp>
+        <p:nvSpPr>
+          <p:cNvPr id="5" name="投影片編號版面配置區 4"/>
+          <p:cNvSpPr>
+            <a:spLocks noGrp="1"/>
+          </p:cNvSpPr>
+          <p:nvPr>
+            <p:ph type="sldNum" sz="quarter" idx="12"/>
+          </p:nvPr>
+        </p:nvSpPr>
+        <p:spPr/>
+        <p:txBody>
+          <a:bodyPr/>
+          <a:lstStyle/>
+          <a:p>
+            <a:fld id="{FE8BB367-45BD-47CD-AFF1-8196ABE895B5}" type="slidenum">
+              <a:rPr lang="zh-TW" altLang="en-US" smtClean="0"/>
+              <a:pPr/>
+              <a:t>‹#›</a:t>
+            </a:fld>
+            <a:endParaRPr lang="zh-TW" altLang="en-US"/>
+          </a:p>
+        </p:txBody>
+      </p:sp>
+    </p:spTree>
+    <p:extLst>
+      <p:ext uri="{BB962C8B-B14F-4D97-AF65-F5344CB8AC3E}">
+        <p14:creationId xmlns:p14="http://schemas.microsoft.com/office/powerpoint/2010/main" xmlns="" val="2169545694"/>
+      </p:ext>
+    </p:extLst>
+  </p:cSld>
+  <p:clrMapOvr>
+    <a:masterClrMapping/>
+  </p:clrMapOvr>
+</p:sldLayout>
+</file>
+
+<file path=ppt/slideLayouts/slideLayout7.xml><?xml version="1.0" encoding="utf-8"?>
+<p:sldLayout xmlns:a="http://schemas.openxmlformats.org/drawingml/2006/main" xmlns:r="http://schemas.openxmlformats.org/officeDocument/2006/relationships" xmlns:p="http://schemas.openxmlformats.org/presentationml/2006/main" type="blank" preserve="1">
+  <p:cSld name="空白">
+    <p:spTree>
+      <p:nvGrpSpPr>
+        <p:cNvPr id="1" name=""/>
+        <p:cNvGrpSpPr/>
+        <p:nvPr/>
+      </p:nvGrpSpPr>
+      <p:grpSpPr>
+        <a:xfrm>
+          <a:off x="0" y="0"/>
+          <a:ext cx="0" cy="0"/>
+          <a:chOff x="0" y="0"/>
+          <a:chExt cx="0" cy="0"/>
+        </a:xfrm>
+      </p:grpSpPr>
+      <p:sp>
+        <p:nvSpPr>
+          <p:cNvPr id="2" name="日期版面配置區 1"/>
+          <p:cNvSpPr>
+            <a:spLocks noGrp="1"/>
+          </p:cNvSpPr>
+          <p:nvPr>
+            <p:ph type="dt" sz="half" idx="10"/>
+          </p:nvPr>
+        </p:nvSpPr>
+        <p:spPr/>
+        <p:txBody>
+          <a:bodyPr/>
+          <a:lstStyle/>
+          <a:p>
+            <a:fld id="{E54F3484-B03C-4C27-B53A-08BBCD0F965D}" type="datetimeFigureOut">
+              <a:rPr lang="zh-TW" altLang="en-US" smtClean="0"/>
+              <a:pPr/>
+              <a:t>2020/8/2</a:t>
+            </a:fld>
+            <a:endParaRPr lang="zh-TW" altLang="en-US"/>
+          </a:p>
+        </p:txBody>
+      </p:sp>
+      <p:sp>
+        <p:nvSpPr>
+          <p:cNvPr id="3" name="頁尾版面配置區 2"/>
+          <p:cNvSpPr>
+            <a:spLocks noGrp="1"/>
+          </p:cNvSpPr>
+          <p:nvPr>
+            <p:ph type="ftr" sz="quarter" idx="11"/>
+          </p:nvPr>
+        </p:nvSpPr>
+        <p:spPr/>
+        <p:txBody>
+          <a:bodyPr/>
+          <a:lstStyle/>
+          <a:p>
+            <a:endParaRPr lang="zh-TW" altLang="en-US"/>
+          </a:p>
+        </p:txBody>
+      </p:sp>
+      <p:sp>
+        <p:nvSpPr>
+          <p:cNvPr id="4" name="投影片編號版面配置區 3"/>
+          <p:cNvSpPr>
+            <a:spLocks noGrp="1"/>
+          </p:cNvSpPr>
+          <p:nvPr>
+            <p:ph type="sldNum" sz="quarter" idx="12"/>
+          </p:nvPr>
+        </p:nvSpPr>
+        <p:spPr/>
+        <p:txBody>
+          <a:bodyPr/>
+          <a:lstStyle/>
+          <a:p>
+            <a:fld id="{FE8BB367-45BD-47CD-AFF1-8196ABE895B5}" type="slidenum">
+              <a:rPr lang="zh-TW" altLang="en-US" smtClean="0"/>
+              <a:pPr/>
+              <a:t>‹#›</a:t>
+            </a:fld>
+            <a:endParaRPr lang="zh-TW" altLang="en-US"/>
+          </a:p>
+        </p:txBody>
+      </p:sp>
+    </p:spTree>
+    <p:extLst>
+      <p:ext uri="{BB962C8B-B14F-4D97-AF65-F5344CB8AC3E}">
+        <p14:creationId xmlns:p14="http://schemas.microsoft.com/office/powerpoint/2010/main" xmlns="" val="3865061329"/>
+      </p:ext>
+    </p:extLst>
+  </p:cSld>
+  <p:clrMapOvr>
+    <a:masterClrMapping/>
+  </p:clrMapOvr>
+</p:sldLayout>
+</file>
+
+<file path=ppt/slideLayouts/slideLayout8.xml><?xml version="1.0" encoding="utf-8"?>
+<p:sldLayout xmlns:a="http://schemas.openxmlformats.org/drawingml/2006/main" xmlns:r="http://schemas.openxmlformats.org/officeDocument/2006/relationships" xmlns:p="http://schemas.openxmlformats.org/presentationml/2006/main" type="objTx" preserve="1">
+  <p:cSld name="含標題的內容">
+    <p:spTree>
+      <p:nvGrpSpPr>
+        <p:cNvPr id="1" name=""/>
+        <p:cNvGrpSpPr/>
+        <p:nvPr/>
+      </p:nvGrpSpPr>
+      <p:grpSpPr>
+        <a:xfrm>
+          <a:off x="0" y="0"/>
+          <a:ext cx="0" cy="0"/>
+          <a:chOff x="0" y="0"/>
+          <a:chExt cx="0" cy="0"/>
+        </a:xfrm>
+      </p:grpSpPr>
+      <p:sp>
+        <p:nvSpPr>
+          <p:cNvPr id="2" name="標題 1"/>
+          <p:cNvSpPr>
+            <a:spLocks noGrp="1"/>
+          </p:cNvSpPr>
+          <p:nvPr>
+            <p:ph type="title"/>
+          </p:nvPr>
+        </p:nvSpPr>
+        <p:spPr>
+          <a:xfrm>
+            <a:off x="609601" y="273050"/>
+            <a:ext cx="4011084" cy="1162050"/>
+          </a:xfrm>
+        </p:spPr>
+        <p:txBody>
+          <a:bodyPr anchor="b"/>
+          <a:lstStyle>
+            <a:lvl1pPr algn="l">
+              <a:defRPr sz="2000" b="1"/>
+            </a:lvl1pPr>
+          </a:lstStyle>
+          <a:p>
+            <a:r>
+              <a:rPr lang="zh-TW" altLang="en-US" smtClean="0"/>
+              <a:t>按一下以編輯母片標題樣式</a:t>
+            </a:r>
+            <a:endParaRPr lang="zh-TW" altLang="en-US"/>
+          </a:p>
+        </p:txBody>
+      </p:sp>
+      <p:sp>
+        <p:nvSpPr>
+          <p:cNvPr id="3" name="內容版面配置區 2"/>
+          <p:cNvSpPr>
+            <a:spLocks noGrp="1"/>
+          </p:cNvSpPr>
+          <p:nvPr>
+            <p:ph idx="1"/>
+          </p:nvPr>
+        </p:nvSpPr>
+        <p:spPr>
+          <a:xfrm>
+            <a:off x="4766733" y="273051"/>
+            <a:ext cx="6815667" cy="5853113"/>
+          </a:xfrm>
+        </p:spPr>
+        <p:txBody>
+          <a:bodyPr/>
+          <a:lstStyle>
+            <a:lvl1pPr>
+              <a:defRPr sz="3200"/>
+            </a:lvl1pPr>
+            <a:lvl2pPr>
+              <a:defRPr sz="2800"/>
+            </a:lvl2pPr>
+            <a:lvl3pPr>
+              <a:defRPr sz="2400"/>
+            </a:lvl3pPr>
+            <a:lvl4pPr>
+              <a:defRPr sz="2000"/>
+            </a:lvl4pPr>
+            <a:lvl5pPr>
+              <a:defRPr sz="2000"/>
+            </a:lvl5pPr>
+            <a:lvl6pPr>
+              <a:defRPr sz="2000"/>
+            </a:lvl6pPr>
+            <a:lvl7pPr>
+              <a:defRPr sz="2000"/>
+            </a:lvl7pPr>
+            <a:lvl8pPr>
+              <a:defRPr sz="2000"/>
+            </a:lvl8pPr>
+            <a:lvl9pPr>
+              <a:defRPr sz="2000"/>
+            </a:lvl9pPr>
+          </a:lstStyle>
+          <a:p>
+            <a:pPr lvl="0"/>
+            <a:r>
+              <a:rPr lang="zh-TW" altLang="en-US" smtClean="0"/>
+              <a:t>按一下以編輯母片文字樣式</a:t>
+            </a:r>
+          </a:p>
+          <a:p>
+            <a:pPr lvl="1"/>
+            <a:r>
+              <a:rPr lang="zh-TW" altLang="en-US" smtClean="0"/>
+              <a:t>第二層</a:t>
+            </a:r>
+          </a:p>
+          <a:p>
+            <a:pPr lvl="2"/>
+            <a:r>
+              <a:rPr lang="zh-TW" altLang="en-US" smtClean="0"/>
+              <a:t>第三層</a:t>
+            </a:r>
+          </a:p>
+          <a:p>
+            <a:pPr lvl="3"/>
+            <a:r>
+              <a:rPr lang="zh-TW" altLang="en-US" smtClean="0"/>
+              <a:t>第四層</a:t>
+            </a:r>
+          </a:p>
+          <a:p>
+            <a:pPr lvl="4"/>
+            <a:r>
+              <a:rPr lang="zh-TW" altLang="en-US" smtClean="0"/>
+              <a:t>第五層</a:t>
+            </a:r>
+            <a:endParaRPr lang="zh-TW" altLang="en-US"/>
+          </a:p>
+        </p:txBody>
+      </p:sp>
+      <p:sp>
+        <p:nvSpPr>
+          <p:cNvPr id="4" name="文字版面配置區 3"/>
+          <p:cNvSpPr>
+            <a:spLocks noGrp="1"/>
+          </p:cNvSpPr>
+          <p:nvPr>
+            <p:ph type="body" sz="half" idx="2"/>
+          </p:nvPr>
+        </p:nvSpPr>
+        <p:spPr>
+          <a:xfrm>
+            <a:off x="609601" y="1435101"/>
+            <a:ext cx="4011084" cy="4691063"/>
+          </a:xfrm>
+        </p:spPr>
+        <p:txBody>
+          <a:bodyPr/>
+          <a:lstStyle>
+            <a:lvl1pPr marL="0" indent="0">
+              <a:buNone/>
+              <a:defRPr sz="1400"/>
+            </a:lvl1pPr>
+            <a:lvl2pPr marL="457200" indent="0">
+              <a:buNone/>
+              <a:defRPr sz="1200"/>
+            </a:lvl2pPr>
+            <a:lvl3pPr marL="914400" indent="0">
+              <a:buNone/>
+              <a:defRPr sz="1000"/>
+            </a:lvl3pPr>
+            <a:lvl4pPr marL="1371600" indent="0">
+              <a:buNone/>
+              <a:defRPr sz="900"/>
+            </a:lvl4pPr>
+            <a:lvl5pPr marL="1828800" indent="0">
+              <a:buNone/>
+              <a:defRPr sz="900"/>
+            </a:lvl5pPr>
+            <a:lvl6pPr marL="2286000" indent="0">
+              <a:buNone/>
+              <a:defRPr sz="900"/>
+            </a:lvl6pPr>
+            <a:lvl7pPr marL="2743200" indent="0">
+              <a:buNone/>
+              <a:defRPr sz="900"/>
+            </a:lvl7pPr>
+            <a:lvl8pPr marL="3200400" indent="0">
+              <a:buNone/>
+              <a:defRPr sz="900"/>
+            </a:lvl8pPr>
+            <a:lvl9pPr marL="3657600" indent="0">
+              <a:buNone/>
+              <a:defRPr sz="900"/>
+            </a:lvl9pPr>
+          </a:lstStyle>
+          <a:p>
+            <a:pPr lvl="0"/>
+            <a:r>
+              <a:rPr lang="zh-TW" altLang="en-US" smtClean="0"/>
+              <a:t>按一下以編輯母片文字樣式</a:t>
+            </a:r>
+          </a:p>
+        </p:txBody>
+      </p:sp>
+      <p:sp>
+        <p:nvSpPr>
+          <p:cNvPr id="5" name="日期版面配置區 4"/>
+          <p:cNvSpPr>
+            <a:spLocks noGrp="1"/>
+          </p:cNvSpPr>
+          <p:nvPr>
+            <p:ph type="dt" sz="half" idx="10"/>
+          </p:nvPr>
+        </p:nvSpPr>
+        <p:spPr/>
+        <p:txBody>
+          <a:bodyPr/>
+          <a:lstStyle/>
+          <a:p>
+            <a:fld id="{E54F3484-B03C-4C27-B53A-08BBCD0F965D}" type="datetimeFigureOut">
+              <a:rPr lang="zh-TW" altLang="en-US" smtClean="0"/>
+              <a:pPr/>
+              <a:t>2020/8/2</a:t>
+            </a:fld>
+            <a:endParaRPr lang="zh-TW" altLang="en-US"/>
+          </a:p>
+        </p:txBody>
+      </p:sp>
+      <p:sp>
+        <p:nvSpPr>
+          <p:cNvPr id="6" name="頁尾版面配置區 5"/>
+          <p:cNvSpPr>
+            <a:spLocks noGrp="1"/>
+          </p:cNvSpPr>
+          <p:nvPr>
+            <p:ph type="ftr" sz="quarter" idx="11"/>
+          </p:nvPr>
+        </p:nvSpPr>
+        <p:spPr/>
+        <p:txBody>
+          <a:bodyPr/>
+          <a:lstStyle/>
+          <a:p>
+            <a:endParaRPr lang="zh-TW" altLang="en-US"/>
+          </a:p>
+        </p:txBody>
+      </p:sp>
+      <p:sp>
+        <p:nvSpPr>
+          <p:cNvPr id="7" name="投影片編號版面配置區 6"/>
+          <p:cNvSpPr>
+            <a:spLocks noGrp="1"/>
+          </p:cNvSpPr>
+          <p:nvPr>
+            <p:ph type="sldNum" sz="quarter" idx="12"/>
+          </p:nvPr>
+        </p:nvSpPr>
+        <p:spPr/>
+        <p:txBody>
+          <a:bodyPr/>
+          <a:lstStyle/>
+          <a:p>
+            <a:fld id="{FE8BB367-45BD-47CD-AFF1-8196ABE895B5}" type="slidenum">
+              <a:rPr lang="zh-TW" altLang="en-US" smtClean="0"/>
+              <a:pPr/>
+              <a:t>‹#›</a:t>
+            </a:fld>
+            <a:endParaRPr lang="zh-TW" altLang="en-US"/>
+          </a:p>
+        </p:txBody>
+      </p:sp>
+    </p:spTree>
+    <p:extLst>
+      <p:ext uri="{BB962C8B-B14F-4D97-AF65-F5344CB8AC3E}">
+        <p14:creationId xmlns:p14="http://schemas.microsoft.com/office/powerpoint/2010/main" xmlns="" val="2245602464"/>
       </p:ext>
     </p:extLst>
   </p:cSld>
@@ -2527,7 +4983,8 @@
           <a:p>
             <a:fld id="{E54F3484-B03C-4C27-B53A-08BBCD0F965D}" type="datetimeFigureOut">
               <a:rPr lang="zh-TW" altLang="en-US" smtClean="0"/>
-              <a:t>2020/6/13</a:t>
+              <a:pPr/>
+              <a:t>2020/8/2</a:t>
             </a:fld>
             <a:endParaRPr lang="zh-TW" altLang="en-US"/>
           </a:p>
@@ -2569,6 +5026,7 @@
           <a:p>
             <a:fld id="{FE8BB367-45BD-47CD-AFF1-8196ABE895B5}" type="slidenum">
               <a:rPr lang="zh-TW" altLang="en-US" smtClean="0"/>
+              <a:pPr/>
               <a:t>‹#›</a:t>
             </a:fld>
             <a:endParaRPr lang="zh-TW" altLang="en-US"/>
@@ -2578,7 +5036,7 @@
     </p:spTree>
     <p:extLst>
       <p:ext uri="{BB962C8B-B14F-4D97-AF65-F5344CB8AC3E}">
-        <p14:creationId xmlns:p14="http://schemas.microsoft.com/office/powerpoint/2010/main" val="1288890584"/>
+        <p14:creationId xmlns:p14="http://schemas.microsoft.com/office/powerpoint/2010/main" xmlns="" val="1288890584"/>
       </p:ext>
     </p:extLst>
   </p:cSld>
@@ -2740,7 +5198,8 @@
           <a:p>
             <a:fld id="{E54F3484-B03C-4C27-B53A-08BBCD0F965D}" type="datetimeFigureOut">
               <a:rPr lang="zh-TW" altLang="en-US" smtClean="0"/>
-              <a:t>2020/6/13</a:t>
+              <a:pPr/>
+              <a:t>2020/8/2</a:t>
             </a:fld>
             <a:endParaRPr lang="zh-TW" altLang="en-US"/>
           </a:p>
@@ -2818,6 +5277,7 @@
           <a:p>
             <a:fld id="{FE8BB367-45BD-47CD-AFF1-8196ABE895B5}" type="slidenum">
               <a:rPr lang="zh-TW" altLang="en-US" smtClean="0"/>
+              <a:pPr/>
               <a:t>‹#›</a:t>
             </a:fld>
             <a:endParaRPr lang="zh-TW" altLang="en-US"/>
@@ -2827,7 +5287,7 @@
     </p:spTree>
     <p:extLst>
       <p:ext uri="{BB962C8B-B14F-4D97-AF65-F5344CB8AC3E}">
-        <p14:creationId xmlns:p14="http://schemas.microsoft.com/office/powerpoint/2010/main" val="2875088124"/>
+        <p14:creationId xmlns:p14="http://schemas.microsoft.com/office/powerpoint/2010/main" xmlns="" val="2875088124"/>
       </p:ext>
     </p:extLst>
   </p:cSld>
@@ -2844,6 +5304,518 @@
     <p:sldLayoutId id="2147483657" r:id="rId9"/>
     <p:sldLayoutId id="2147483658" r:id="rId10"/>
     <p:sldLayoutId id="2147483659" r:id="rId11"/>
+  </p:sldLayoutIdLst>
+  <p:txStyles>
+    <p:titleStyle>
+      <a:lvl1pPr algn="ctr" defTabSz="914400" rtl="0" eaLnBrk="1" latinLnBrk="0" hangingPunct="1">
+        <a:spcBef>
+          <a:spcPct val="0"/>
+        </a:spcBef>
+        <a:buNone/>
+        <a:defRPr sz="4400" kern="1200">
+          <a:solidFill>
+            <a:schemeClr val="tx1"/>
+          </a:solidFill>
+          <a:latin typeface="+mj-lt"/>
+          <a:ea typeface="+mj-ea"/>
+          <a:cs typeface="+mj-cs"/>
+        </a:defRPr>
+      </a:lvl1pPr>
+    </p:titleStyle>
+    <p:bodyStyle>
+      <a:lvl1pPr marL="342900" indent="-342900" algn="l" defTabSz="914400" rtl="0" eaLnBrk="1" latinLnBrk="0" hangingPunct="1">
+        <a:spcBef>
+          <a:spcPct val="20000"/>
+        </a:spcBef>
+        <a:buFont typeface="Arial" pitchFamily="34" charset="0"/>
+        <a:buChar char="•"/>
+        <a:defRPr sz="3200" kern="1200">
+          <a:solidFill>
+            <a:schemeClr val="tx1"/>
+          </a:solidFill>
+          <a:latin typeface="+mn-lt"/>
+          <a:ea typeface="+mn-ea"/>
+          <a:cs typeface="+mn-cs"/>
+        </a:defRPr>
+      </a:lvl1pPr>
+      <a:lvl2pPr marL="742950" indent="-285750" algn="l" defTabSz="914400" rtl="0" eaLnBrk="1" latinLnBrk="0" hangingPunct="1">
+        <a:spcBef>
+          <a:spcPct val="20000"/>
+        </a:spcBef>
+        <a:buFont typeface="Arial" pitchFamily="34" charset="0"/>
+        <a:buChar char="–"/>
+        <a:defRPr sz="2800" kern="1200">
+          <a:solidFill>
+            <a:schemeClr val="tx1"/>
+          </a:solidFill>
+          <a:latin typeface="+mn-lt"/>
+          <a:ea typeface="+mn-ea"/>
+          <a:cs typeface="+mn-cs"/>
+        </a:defRPr>
+      </a:lvl2pPr>
+      <a:lvl3pPr marL="1143000" indent="-228600" algn="l" defTabSz="914400" rtl="0" eaLnBrk="1" latinLnBrk="0" hangingPunct="1">
+        <a:spcBef>
+          <a:spcPct val="20000"/>
+        </a:spcBef>
+        <a:buFont typeface="Arial" pitchFamily="34" charset="0"/>
+        <a:buChar char="•"/>
+        <a:defRPr sz="2400" kern="1200">
+          <a:solidFill>
+            <a:schemeClr val="tx1"/>
+          </a:solidFill>
+          <a:latin typeface="+mn-lt"/>
+          <a:ea typeface="+mn-ea"/>
+          <a:cs typeface="+mn-cs"/>
+        </a:defRPr>
+      </a:lvl3pPr>
+      <a:lvl4pPr marL="1600200" indent="-228600" algn="l" defTabSz="914400" rtl="0" eaLnBrk="1" latinLnBrk="0" hangingPunct="1">
+        <a:spcBef>
+          <a:spcPct val="20000"/>
+        </a:spcBef>
+        <a:buFont typeface="Arial" pitchFamily="34" charset="0"/>
+        <a:buChar char="–"/>
+        <a:defRPr sz="2000" kern="1200">
+          <a:solidFill>
+            <a:schemeClr val="tx1"/>
+          </a:solidFill>
+          <a:latin typeface="+mn-lt"/>
+          <a:ea typeface="+mn-ea"/>
+          <a:cs typeface="+mn-cs"/>
+        </a:defRPr>
+      </a:lvl4pPr>
+      <a:lvl5pPr marL="2057400" indent="-228600" algn="l" defTabSz="914400" rtl="0" eaLnBrk="1" latinLnBrk="0" hangingPunct="1">
+        <a:spcBef>
+          <a:spcPct val="20000"/>
+        </a:spcBef>
+        <a:buFont typeface="Arial" pitchFamily="34" charset="0"/>
+        <a:buChar char="»"/>
+        <a:defRPr sz="2000" kern="1200">
+          <a:solidFill>
+            <a:schemeClr val="tx1"/>
+          </a:solidFill>
+          <a:latin typeface="+mn-lt"/>
+          <a:ea typeface="+mn-ea"/>
+          <a:cs typeface="+mn-cs"/>
+        </a:defRPr>
+      </a:lvl5pPr>
+      <a:lvl6pPr marL="2514600" indent="-228600" algn="l" defTabSz="914400" rtl="0" eaLnBrk="1" latinLnBrk="0" hangingPunct="1">
+        <a:spcBef>
+          <a:spcPct val="20000"/>
+        </a:spcBef>
+        <a:buFont typeface="Arial" pitchFamily="34" charset="0"/>
+        <a:buChar char="•"/>
+        <a:defRPr sz="2000" kern="1200">
+          <a:solidFill>
+            <a:schemeClr val="tx1"/>
+          </a:solidFill>
+          <a:latin typeface="+mn-lt"/>
+          <a:ea typeface="+mn-ea"/>
+          <a:cs typeface="+mn-cs"/>
+        </a:defRPr>
+      </a:lvl6pPr>
+      <a:lvl7pPr marL="2971800" indent="-228600" algn="l" defTabSz="914400" rtl="0" eaLnBrk="1" latinLnBrk="0" hangingPunct="1">
+        <a:spcBef>
+          <a:spcPct val="20000"/>
+        </a:spcBef>
+        <a:buFont typeface="Arial" pitchFamily="34" charset="0"/>
+        <a:buChar char="•"/>
+        <a:defRPr sz="2000" kern="1200">
+          <a:solidFill>
+            <a:schemeClr val="tx1"/>
+          </a:solidFill>
+          <a:latin typeface="+mn-lt"/>
+          <a:ea typeface="+mn-ea"/>
+          <a:cs typeface="+mn-cs"/>
+        </a:defRPr>
+      </a:lvl7pPr>
+      <a:lvl8pPr marL="3429000" indent="-228600" algn="l" defTabSz="914400" rtl="0" eaLnBrk="1" latinLnBrk="0" hangingPunct="1">
+        <a:spcBef>
+          <a:spcPct val="20000"/>
+        </a:spcBef>
+        <a:buFont typeface="Arial" pitchFamily="34" charset="0"/>
+        <a:buChar char="•"/>
+        <a:defRPr sz="2000" kern="1200">
+          <a:solidFill>
+            <a:schemeClr val="tx1"/>
+          </a:solidFill>
+          <a:latin typeface="+mn-lt"/>
+          <a:ea typeface="+mn-ea"/>
+          <a:cs typeface="+mn-cs"/>
+        </a:defRPr>
+      </a:lvl8pPr>
+      <a:lvl9pPr marL="3886200" indent="-228600" algn="l" defTabSz="914400" rtl="0" eaLnBrk="1" latinLnBrk="0" hangingPunct="1">
+        <a:spcBef>
+          <a:spcPct val="20000"/>
+        </a:spcBef>
+        <a:buFont typeface="Arial" pitchFamily="34" charset="0"/>
+        <a:buChar char="•"/>
+        <a:defRPr sz="2000" kern="1200">
+          <a:solidFill>
+            <a:schemeClr val="tx1"/>
+          </a:solidFill>
+          <a:latin typeface="+mn-lt"/>
+          <a:ea typeface="+mn-ea"/>
+          <a:cs typeface="+mn-cs"/>
+        </a:defRPr>
+      </a:lvl9pPr>
+    </p:bodyStyle>
+    <p:otherStyle>
+      <a:defPPr>
+        <a:defRPr lang="zh-TW"/>
+      </a:defPPr>
+      <a:lvl1pPr marL="0" algn="l" defTabSz="914400" rtl="0" eaLnBrk="1" latinLnBrk="0" hangingPunct="1">
+        <a:defRPr sz="1800" kern="1200">
+          <a:solidFill>
+            <a:schemeClr val="tx1"/>
+          </a:solidFill>
+          <a:latin typeface="+mn-lt"/>
+          <a:ea typeface="+mn-ea"/>
+          <a:cs typeface="+mn-cs"/>
+        </a:defRPr>
+      </a:lvl1pPr>
+      <a:lvl2pPr marL="457200" algn="l" defTabSz="914400" rtl="0" eaLnBrk="1" latinLnBrk="0" hangingPunct="1">
+        <a:defRPr sz="1800" kern="1200">
+          <a:solidFill>
+            <a:schemeClr val="tx1"/>
+          </a:solidFill>
+          <a:latin typeface="+mn-lt"/>
+          <a:ea typeface="+mn-ea"/>
+          <a:cs typeface="+mn-cs"/>
+        </a:defRPr>
+      </a:lvl2pPr>
+      <a:lvl3pPr marL="914400" algn="l" defTabSz="914400" rtl="0" eaLnBrk="1" latinLnBrk="0" hangingPunct="1">
+        <a:defRPr sz="1800" kern="1200">
+          <a:solidFill>
+            <a:schemeClr val="tx1"/>
+          </a:solidFill>
+          <a:latin typeface="+mn-lt"/>
+          <a:ea typeface="+mn-ea"/>
+          <a:cs typeface="+mn-cs"/>
+        </a:defRPr>
+      </a:lvl3pPr>
+      <a:lvl4pPr marL="1371600" algn="l" defTabSz="914400" rtl="0" eaLnBrk="1" latinLnBrk="0" hangingPunct="1">
+        <a:defRPr sz="1800" kern="1200">
+          <a:solidFill>
+            <a:schemeClr val="tx1"/>
+          </a:solidFill>
+          <a:latin typeface="+mn-lt"/>
+          <a:ea typeface="+mn-ea"/>
+          <a:cs typeface="+mn-cs"/>
+        </a:defRPr>
+      </a:lvl4pPr>
+      <a:lvl5pPr marL="1828800" algn="l" defTabSz="914400" rtl="0" eaLnBrk="1" latinLnBrk="0" hangingPunct="1">
+        <a:defRPr sz="1800" kern="1200">
+          <a:solidFill>
+            <a:schemeClr val="tx1"/>
+          </a:solidFill>
+          <a:latin typeface="+mn-lt"/>
+          <a:ea typeface="+mn-ea"/>
+          <a:cs typeface="+mn-cs"/>
+        </a:defRPr>
+      </a:lvl5pPr>
+      <a:lvl6pPr marL="2286000" algn="l" defTabSz="914400" rtl="0" eaLnBrk="1" latinLnBrk="0" hangingPunct="1">
+        <a:defRPr sz="1800" kern="1200">
+          <a:solidFill>
+            <a:schemeClr val="tx1"/>
+          </a:solidFill>
+          <a:latin typeface="+mn-lt"/>
+          <a:ea typeface="+mn-ea"/>
+          <a:cs typeface="+mn-cs"/>
+        </a:defRPr>
+      </a:lvl6pPr>
+      <a:lvl7pPr marL="2743200" algn="l" defTabSz="914400" rtl="0" eaLnBrk="1" latinLnBrk="0" hangingPunct="1">
+        <a:defRPr sz="1800" kern="1200">
+          <a:solidFill>
+            <a:schemeClr val="tx1"/>
+          </a:solidFill>
+          <a:latin typeface="+mn-lt"/>
+          <a:ea typeface="+mn-ea"/>
+          <a:cs typeface="+mn-cs"/>
+        </a:defRPr>
+      </a:lvl7pPr>
+      <a:lvl8pPr marL="3200400" algn="l" defTabSz="914400" rtl="0" eaLnBrk="1" latinLnBrk="0" hangingPunct="1">
+        <a:defRPr sz="1800" kern="1200">
+          <a:solidFill>
+            <a:schemeClr val="tx1"/>
+          </a:solidFill>
+          <a:latin typeface="+mn-lt"/>
+          <a:ea typeface="+mn-ea"/>
+          <a:cs typeface="+mn-cs"/>
+        </a:defRPr>
+      </a:lvl8pPr>
+      <a:lvl9pPr marL="3657600" algn="l" defTabSz="914400" rtl="0" eaLnBrk="1" latinLnBrk="0" hangingPunct="1">
+        <a:defRPr sz="1800" kern="1200">
+          <a:solidFill>
+            <a:schemeClr val="tx1"/>
+          </a:solidFill>
+          <a:latin typeface="+mn-lt"/>
+          <a:ea typeface="+mn-ea"/>
+          <a:cs typeface="+mn-cs"/>
+        </a:defRPr>
+      </a:lvl9pPr>
+    </p:otherStyle>
+  </p:txStyles>
+</p:sldMaster>
+</file>
+
+<file path=ppt/slideMasters/slideMaster2.xml><?xml version="1.0" encoding="utf-8"?>
+<p:sldMaster xmlns:a="http://schemas.openxmlformats.org/drawingml/2006/main" xmlns:r="http://schemas.openxmlformats.org/officeDocument/2006/relationships" xmlns:p="http://schemas.openxmlformats.org/presentationml/2006/main">
+  <p:cSld>
+    <p:bg>
+      <p:bgPr>
+        <a:blipFill dpi="0" rotWithShape="1">
+          <a:blip r:embed="rId13"/>
+          <a:srcRect/>
+          <a:tile tx="0" ty="0" sx="100000" sy="100000" flip="none" algn="tl"/>
+        </a:blipFill>
+        <a:effectLst/>
+      </p:bgPr>
+    </p:bg>
+    <p:spTree>
+      <p:nvGrpSpPr>
+        <p:cNvPr id="1" name=""/>
+        <p:cNvGrpSpPr/>
+        <p:nvPr/>
+      </p:nvGrpSpPr>
+      <p:grpSpPr>
+        <a:xfrm>
+          <a:off x="0" y="0"/>
+          <a:ext cx="0" cy="0"/>
+          <a:chOff x="0" y="0"/>
+          <a:chExt cx="0" cy="0"/>
+        </a:xfrm>
+      </p:grpSpPr>
+      <p:sp>
+        <p:nvSpPr>
+          <p:cNvPr id="2" name="標題版面配置區 1"/>
+          <p:cNvSpPr>
+            <a:spLocks noGrp="1"/>
+          </p:cNvSpPr>
+          <p:nvPr>
+            <p:ph type="title"/>
+          </p:nvPr>
+        </p:nvSpPr>
+        <p:spPr>
+          <a:xfrm>
+            <a:off x="609600" y="274638"/>
+            <a:ext cx="10972800" cy="1143000"/>
+          </a:xfrm>
+          <a:prstGeom prst="rect">
+            <a:avLst/>
+          </a:prstGeom>
+        </p:spPr>
+        <p:txBody>
+          <a:bodyPr vert="horz" lIns="91440" tIns="45720" rIns="91440" bIns="45720" rtlCol="0" anchor="ctr">
+            <a:normAutofit/>
+          </a:bodyPr>
+          <a:lstStyle/>
+          <a:p>
+            <a:r>
+              <a:rPr lang="zh-TW" altLang="en-US" smtClean="0"/>
+              <a:t>按一下以編輯母片標題樣式</a:t>
+            </a:r>
+            <a:endParaRPr lang="zh-TW" altLang="en-US"/>
+          </a:p>
+        </p:txBody>
+      </p:sp>
+      <p:sp>
+        <p:nvSpPr>
+          <p:cNvPr id="3" name="文字版面配置區 2"/>
+          <p:cNvSpPr>
+            <a:spLocks noGrp="1"/>
+          </p:cNvSpPr>
+          <p:nvPr>
+            <p:ph type="body" idx="1"/>
+          </p:nvPr>
+        </p:nvSpPr>
+        <p:spPr>
+          <a:xfrm>
+            <a:off x="609600" y="1600201"/>
+            <a:ext cx="10972800" cy="4525963"/>
+          </a:xfrm>
+          <a:prstGeom prst="rect">
+            <a:avLst/>
+          </a:prstGeom>
+        </p:spPr>
+        <p:txBody>
+          <a:bodyPr vert="horz" lIns="91440" tIns="45720" rIns="91440" bIns="45720" rtlCol="0">
+            <a:normAutofit/>
+          </a:bodyPr>
+          <a:lstStyle/>
+          <a:p>
+            <a:pPr lvl="0"/>
+            <a:r>
+              <a:rPr lang="zh-TW" altLang="en-US" smtClean="0"/>
+              <a:t>按一下以編輯母片文字樣式</a:t>
+            </a:r>
+          </a:p>
+          <a:p>
+            <a:pPr lvl="1"/>
+            <a:r>
+              <a:rPr lang="zh-TW" altLang="en-US" smtClean="0"/>
+              <a:t>第二層</a:t>
+            </a:r>
+          </a:p>
+          <a:p>
+            <a:pPr lvl="2"/>
+            <a:r>
+              <a:rPr lang="zh-TW" altLang="en-US" smtClean="0"/>
+              <a:t>第三層</a:t>
+            </a:r>
+          </a:p>
+          <a:p>
+            <a:pPr lvl="3"/>
+            <a:r>
+              <a:rPr lang="zh-TW" altLang="en-US" smtClean="0"/>
+              <a:t>第四層</a:t>
+            </a:r>
+          </a:p>
+          <a:p>
+            <a:pPr lvl="4"/>
+            <a:r>
+              <a:rPr lang="zh-TW" altLang="en-US" smtClean="0"/>
+              <a:t>第五層</a:t>
+            </a:r>
+            <a:endParaRPr lang="zh-TW" altLang="en-US"/>
+          </a:p>
+        </p:txBody>
+      </p:sp>
+      <p:sp>
+        <p:nvSpPr>
+          <p:cNvPr id="4" name="日期版面配置區 3"/>
+          <p:cNvSpPr>
+            <a:spLocks noGrp="1"/>
+          </p:cNvSpPr>
+          <p:nvPr>
+            <p:ph type="dt" sz="half" idx="2"/>
+          </p:nvPr>
+        </p:nvSpPr>
+        <p:spPr>
+          <a:xfrm>
+            <a:off x="609600" y="6356351"/>
+            <a:ext cx="2844800" cy="365125"/>
+          </a:xfrm>
+          <a:prstGeom prst="rect">
+            <a:avLst/>
+          </a:prstGeom>
+        </p:spPr>
+        <p:txBody>
+          <a:bodyPr vert="horz" lIns="91440" tIns="45720" rIns="91440" bIns="45720" rtlCol="0" anchor="ctr"/>
+          <a:lstStyle>
+            <a:lvl1pPr algn="l">
+              <a:defRPr sz="1200">
+                <a:solidFill>
+                  <a:schemeClr val="tx1">
+                    <a:tint val="75000"/>
+                  </a:schemeClr>
+                </a:solidFill>
+              </a:defRPr>
+            </a:lvl1pPr>
+          </a:lstStyle>
+          <a:p>
+            <a:fld id="{E54F3484-B03C-4C27-B53A-08BBCD0F965D}" type="datetimeFigureOut">
+              <a:rPr lang="zh-TW" altLang="en-US" smtClean="0"/>
+              <a:pPr/>
+              <a:t>2020/8/2</a:t>
+            </a:fld>
+            <a:endParaRPr lang="zh-TW" altLang="en-US"/>
+          </a:p>
+        </p:txBody>
+      </p:sp>
+      <p:sp>
+        <p:nvSpPr>
+          <p:cNvPr id="5" name="頁尾版面配置區 4"/>
+          <p:cNvSpPr>
+            <a:spLocks noGrp="1"/>
+          </p:cNvSpPr>
+          <p:nvPr>
+            <p:ph type="ftr" sz="quarter" idx="3"/>
+          </p:nvPr>
+        </p:nvSpPr>
+        <p:spPr>
+          <a:xfrm>
+            <a:off x="4165600" y="6356351"/>
+            <a:ext cx="3860800" cy="365125"/>
+          </a:xfrm>
+          <a:prstGeom prst="rect">
+            <a:avLst/>
+          </a:prstGeom>
+        </p:spPr>
+        <p:txBody>
+          <a:bodyPr vert="horz" lIns="91440" tIns="45720" rIns="91440" bIns="45720" rtlCol="0" anchor="ctr"/>
+          <a:lstStyle>
+            <a:lvl1pPr algn="ctr">
+              <a:defRPr sz="1200">
+                <a:solidFill>
+                  <a:schemeClr val="tx1">
+                    <a:tint val="75000"/>
+                  </a:schemeClr>
+                </a:solidFill>
+              </a:defRPr>
+            </a:lvl1pPr>
+          </a:lstStyle>
+          <a:p>
+            <a:endParaRPr lang="zh-TW" altLang="en-US"/>
+          </a:p>
+        </p:txBody>
+      </p:sp>
+      <p:sp>
+        <p:nvSpPr>
+          <p:cNvPr id="6" name="投影片編號版面配置區 5"/>
+          <p:cNvSpPr>
+            <a:spLocks noGrp="1"/>
+          </p:cNvSpPr>
+          <p:nvPr>
+            <p:ph type="sldNum" sz="quarter" idx="4"/>
+          </p:nvPr>
+        </p:nvSpPr>
+        <p:spPr>
+          <a:xfrm>
+            <a:off x="8737600" y="6356351"/>
+            <a:ext cx="2844800" cy="365125"/>
+          </a:xfrm>
+          <a:prstGeom prst="rect">
+            <a:avLst/>
+          </a:prstGeom>
+        </p:spPr>
+        <p:txBody>
+          <a:bodyPr vert="horz" lIns="91440" tIns="45720" rIns="91440" bIns="45720" rtlCol="0" anchor="ctr"/>
+          <a:lstStyle>
+            <a:lvl1pPr algn="r">
+              <a:defRPr sz="1200">
+                <a:solidFill>
+                  <a:schemeClr val="tx1">
+                    <a:tint val="75000"/>
+                  </a:schemeClr>
+                </a:solidFill>
+              </a:defRPr>
+            </a:lvl1pPr>
+          </a:lstStyle>
+          <a:p>
+            <a:fld id="{FE8BB367-45BD-47CD-AFF1-8196ABE895B5}" type="slidenum">
+              <a:rPr lang="zh-TW" altLang="en-US" smtClean="0"/>
+              <a:pPr/>
+              <a:t>‹#›</a:t>
+            </a:fld>
+            <a:endParaRPr lang="zh-TW" altLang="en-US"/>
+          </a:p>
+        </p:txBody>
+      </p:sp>
+    </p:spTree>
+  </p:cSld>
+  <p:clrMap bg1="lt1" tx1="dk1" bg2="lt2" tx2="dk2" accent1="accent1" accent2="accent2" accent3="accent3" accent4="accent4" accent5="accent5" accent6="accent6" hlink="hlink" folHlink="folHlink"/>
+  <p:sldLayoutIdLst>
+    <p:sldLayoutId id="2147483661" r:id="rId1"/>
+    <p:sldLayoutId id="2147483662" r:id="rId2"/>
+    <p:sldLayoutId id="2147483663" r:id="rId3"/>
+    <p:sldLayoutId id="2147483664" r:id="rId4"/>
+    <p:sldLayoutId id="2147483665" r:id="rId5"/>
+    <p:sldLayoutId id="2147483666" r:id="rId6"/>
+    <p:sldLayoutId id="2147483667" r:id="rId7"/>
+    <p:sldLayoutId id="2147483668" r:id="rId8"/>
+    <p:sldLayoutId id="2147483669" r:id="rId9"/>
+    <p:sldLayoutId id="2147483670" r:id="rId10"/>
+    <p:sldLayoutId id="2147483671" r:id="rId11"/>
   </p:sldLayoutIdLst>
   <p:txStyles>
     <p:titleStyle>
@@ -3127,7 +6099,7 @@
           <a:blip r:embed="rId2">
             <a:extLst>
               <a:ext uri="{28A0092B-C50C-407E-A947-70E740481C1C}">
-                <a14:useLocalDpi xmlns:a14="http://schemas.microsoft.com/office/drawing/2010/main" val="0"/>
+                <a14:useLocalDpi xmlns:a14="http://schemas.microsoft.com/office/drawing/2010/main" xmlns="" val="0"/>
               </a:ext>
             </a:extLst>
           </a:blip>
@@ -3145,7 +6117,7 @@
           <a:noFill/>
           <a:extLst>
             <a:ext uri="{909E8E84-426E-40DD-AFC4-6F175D3DCCD1}">
-              <a14:hiddenFill xmlns:a14="http://schemas.microsoft.com/office/drawing/2010/main">
+              <a14:hiddenFill xmlns:a14="http://schemas.microsoft.com/office/drawing/2010/main" xmlns="">
                 <a:solidFill>
                   <a:srgbClr val="FFFFFF"/>
                 </a:solidFill>
@@ -3218,7 +6190,7 @@
     </p:spTree>
     <p:extLst>
       <p:ext uri="{BB962C8B-B14F-4D97-AF65-F5344CB8AC3E}">
-        <p14:creationId xmlns:p14="http://schemas.microsoft.com/office/powerpoint/2010/main" val="2412497247"/>
+        <p14:creationId xmlns:p14="http://schemas.microsoft.com/office/powerpoint/2010/main" xmlns="" val="2412497247"/>
       </p:ext>
     </p:extLst>
   </p:cSld>
@@ -3257,7 +6229,7 @@
           <a:blip r:embed="rId2">
             <a:extLst>
               <a:ext uri="{28A0092B-C50C-407E-A947-70E740481C1C}">
-                <a14:useLocalDpi xmlns:a14="http://schemas.microsoft.com/office/drawing/2010/main" val="0"/>
+                <a14:useLocalDpi xmlns:a14="http://schemas.microsoft.com/office/drawing/2010/main" xmlns="" val="0"/>
               </a:ext>
             </a:extLst>
           </a:blip>
@@ -3275,7 +6247,7 @@
           <a:noFill/>
           <a:extLst>
             <a:ext uri="{909E8E84-426E-40DD-AFC4-6F175D3DCCD1}">
-              <a14:hiddenFill xmlns:a14="http://schemas.microsoft.com/office/drawing/2010/main">
+              <a14:hiddenFill xmlns:a14="http://schemas.microsoft.com/office/drawing/2010/main" xmlns="">
                 <a:solidFill>
                   <a:srgbClr val="FFFFFF"/>
                 </a:solidFill>
@@ -3398,7 +6370,7 @@
     </p:spTree>
     <p:extLst>
       <p:ext uri="{BB962C8B-B14F-4D97-AF65-F5344CB8AC3E}">
-        <p14:creationId xmlns:p14="http://schemas.microsoft.com/office/powerpoint/2010/main" val="4088408927"/>
+        <p14:creationId xmlns:p14="http://schemas.microsoft.com/office/powerpoint/2010/main" xmlns="" val="4088408927"/>
       </p:ext>
     </p:extLst>
   </p:cSld>
@@ -3437,7 +6409,7 @@
           <a:blip r:embed="rId2">
             <a:extLst>
               <a:ext uri="{28A0092B-C50C-407E-A947-70E740481C1C}">
-                <a14:useLocalDpi xmlns:a14="http://schemas.microsoft.com/office/drawing/2010/main" val="0"/>
+                <a14:useLocalDpi xmlns:a14="http://schemas.microsoft.com/office/drawing/2010/main" xmlns="" val="0"/>
               </a:ext>
             </a:extLst>
           </a:blip>
@@ -3455,7 +6427,7 @@
           <a:noFill/>
           <a:extLst>
             <a:ext uri="{909E8E84-426E-40DD-AFC4-6F175D3DCCD1}">
-              <a14:hiddenFill xmlns:a14="http://schemas.microsoft.com/office/drawing/2010/main">
+              <a14:hiddenFill xmlns:a14="http://schemas.microsoft.com/office/drawing/2010/main" xmlns="">
                 <a:solidFill>
                   <a:srgbClr val="FFFFFF"/>
                 </a:solidFill>
@@ -4037,7 +7009,7 @@
     </p:spTree>
     <p:extLst>
       <p:ext uri="{BB962C8B-B14F-4D97-AF65-F5344CB8AC3E}">
-        <p14:creationId xmlns:p14="http://schemas.microsoft.com/office/powerpoint/2010/main" val="2449673380"/>
+        <p14:creationId xmlns:p14="http://schemas.microsoft.com/office/powerpoint/2010/main" xmlns="" val="2449673380"/>
       </p:ext>
     </p:extLst>
   </p:cSld>
@@ -4076,7 +7048,7 @@
           <a:blip r:embed="rId2">
             <a:extLst>
               <a:ext uri="{28A0092B-C50C-407E-A947-70E740481C1C}">
-                <a14:useLocalDpi xmlns:a14="http://schemas.microsoft.com/office/drawing/2010/main" val="0"/>
+                <a14:useLocalDpi xmlns:a14="http://schemas.microsoft.com/office/drawing/2010/main" xmlns="" val="0"/>
               </a:ext>
             </a:extLst>
           </a:blip>
@@ -4094,7 +7066,7 @@
           <a:noFill/>
           <a:extLst>
             <a:ext uri="{909E8E84-426E-40DD-AFC4-6F175D3DCCD1}">
-              <a14:hiddenFill xmlns:a14="http://schemas.microsoft.com/office/drawing/2010/main">
+              <a14:hiddenFill xmlns:a14="http://schemas.microsoft.com/office/drawing/2010/main" xmlns="">
                 <a:solidFill>
                   <a:srgbClr val="FFFFFF"/>
                 </a:solidFill>
@@ -4217,7 +7189,7 @@
     </p:spTree>
     <p:extLst>
       <p:ext uri="{BB962C8B-B14F-4D97-AF65-F5344CB8AC3E}">
-        <p14:creationId xmlns:p14="http://schemas.microsoft.com/office/powerpoint/2010/main" val="1922457419"/>
+        <p14:creationId xmlns:p14="http://schemas.microsoft.com/office/powerpoint/2010/main" xmlns="" val="1922457419"/>
       </p:ext>
     </p:extLst>
   </p:cSld>
@@ -4256,7 +7228,7 @@
           <a:blip r:embed="rId2">
             <a:extLst>
               <a:ext uri="{28A0092B-C50C-407E-A947-70E740481C1C}">
-                <a14:useLocalDpi xmlns:a14="http://schemas.microsoft.com/office/drawing/2010/main" val="0"/>
+                <a14:useLocalDpi xmlns:a14="http://schemas.microsoft.com/office/drawing/2010/main" xmlns="" val="0"/>
               </a:ext>
             </a:extLst>
           </a:blip>
@@ -4274,7 +7246,7 @@
           <a:noFill/>
           <a:extLst>
             <a:ext uri="{909E8E84-426E-40DD-AFC4-6F175D3DCCD1}">
-              <a14:hiddenFill xmlns:a14="http://schemas.microsoft.com/office/drawing/2010/main">
+              <a14:hiddenFill xmlns:a14="http://schemas.microsoft.com/office/drawing/2010/main" xmlns="">
                 <a:solidFill>
                   <a:srgbClr val="FFFFFF"/>
                 </a:solidFill>
@@ -4397,13 +7369,789 @@
     </p:spTree>
     <p:extLst>
       <p:ext uri="{BB962C8B-B14F-4D97-AF65-F5344CB8AC3E}">
-        <p14:creationId xmlns:p14="http://schemas.microsoft.com/office/powerpoint/2010/main" val="2449673380"/>
+        <p14:creationId xmlns:p14="http://schemas.microsoft.com/office/powerpoint/2010/main" xmlns="" val="2449673380"/>
       </p:ext>
     </p:extLst>
   </p:cSld>
   <p:clrMapOvr>
     <a:masterClrMapping/>
   </p:clrMapOvr>
+</p:sld>
+</file>
+
+<file path=ppt/slides/slide6.xml><?xml version="1.0" encoding="utf-8"?>
+<p:sld xmlns:a="http://schemas.openxmlformats.org/drawingml/2006/main" xmlns:r="http://schemas.openxmlformats.org/officeDocument/2006/relationships" xmlns:p="http://schemas.openxmlformats.org/presentationml/2006/main">
+  <p:cSld>
+    <p:spTree>
+      <p:nvGrpSpPr>
+        <p:cNvPr id="1" name=""/>
+        <p:cNvGrpSpPr/>
+        <p:nvPr/>
+      </p:nvGrpSpPr>
+      <p:grpSpPr>
+        <a:xfrm>
+          <a:off x="0" y="0"/>
+          <a:ext cx="0" cy="0"/>
+          <a:chOff x="0" y="0"/>
+          <a:chExt cx="0" cy="0"/>
+        </a:xfrm>
+      </p:grpSpPr>
+      <p:sp>
+        <p:nvSpPr>
+          <p:cNvPr id="43010" name="矩形 1"/>
+          <p:cNvSpPr>
+            <a:spLocks noChangeArrowheads="1"/>
+          </p:cNvSpPr>
+          <p:nvPr/>
+        </p:nvSpPr>
+        <p:spPr bwMode="auto">
+          <a:xfrm>
+            <a:off x="143339" y="1508787"/>
+            <a:ext cx="12042893" cy="4062647"/>
+          </a:xfrm>
+          <a:prstGeom prst="rect">
+            <a:avLst/>
+          </a:prstGeom>
+          <a:noFill/>
+          <a:ln w="9525">
+            <a:noFill/>
+            <a:miter lim="800000"/>
+            <a:headEnd/>
+            <a:tailEnd/>
+          </a:ln>
+        </p:spPr>
+        <p:txBody>
+          <a:bodyPr wrap="square" lIns="121917" tIns="60958" rIns="121917" bIns="60958">
+            <a:spAutoFit/>
+          </a:bodyPr>
+          <a:lstStyle/>
+          <a:p>
+            <a:pPr algn="ctr"/>
+            <a:r>
+              <a:rPr lang="zh-TW" altLang="zh-TW" sz="6400" b="1" dirty="0" smtClean="0">
+                <a:solidFill>
+                  <a:srgbClr val="FF0000"/>
+                </a:solidFill>
+                <a:latin typeface="標楷體" pitchFamily="65" charset="-120"/>
+                <a:ea typeface="標楷體" pitchFamily="65" charset="-120"/>
+              </a:rPr>
+              <a:t>主日學</a:t>
+            </a:r>
+            <a:r>
+              <a:rPr lang="en-US" altLang="zh-TW" sz="6400" b="1" dirty="0" smtClean="0">
+                <a:solidFill>
+                  <a:srgbClr val="FF0000"/>
+                </a:solidFill>
+                <a:latin typeface="標楷體" pitchFamily="65" charset="-120"/>
+                <a:ea typeface="標楷體" pitchFamily="65" charset="-120"/>
+              </a:rPr>
+              <a:t> </a:t>
+            </a:r>
+            <a:r>
+              <a:rPr lang="zh-TW" altLang="zh-TW" sz="6400" b="1" dirty="0" smtClean="0">
+                <a:solidFill>
+                  <a:srgbClr val="FF0000"/>
+                </a:solidFill>
+                <a:latin typeface="標楷體" pitchFamily="65" charset="-120"/>
+                <a:ea typeface="標楷體" pitchFamily="65" charset="-120"/>
+              </a:rPr>
+              <a:t>主日學</a:t>
+            </a:r>
+            <a:r>
+              <a:rPr lang="zh-TW" altLang="en-US" sz="6400" b="1" dirty="0">
+                <a:solidFill>
+                  <a:srgbClr val="FF0000"/>
+                </a:solidFill>
+                <a:latin typeface="標楷體" pitchFamily="65" charset="-120"/>
+                <a:ea typeface="標楷體" pitchFamily="65" charset="-120"/>
+              </a:rPr>
+              <a:t> </a:t>
+            </a:r>
+            <a:r>
+              <a:rPr lang="zh-TW" altLang="zh-TW" sz="6400" b="1" dirty="0" smtClean="0">
+                <a:solidFill>
+                  <a:srgbClr val="FF0000"/>
+                </a:solidFill>
+                <a:latin typeface="標楷體" pitchFamily="65" charset="-120"/>
+                <a:ea typeface="標楷體" pitchFamily="65" charset="-120"/>
+              </a:rPr>
+              <a:t>將</a:t>
+            </a:r>
+            <a:r>
+              <a:rPr lang="zh-TW" altLang="zh-TW" sz="6400" b="1" dirty="0">
+                <a:solidFill>
+                  <a:srgbClr val="FF0000"/>
+                </a:solidFill>
+                <a:latin typeface="標楷體" pitchFamily="65" charset="-120"/>
+                <a:ea typeface="標楷體" pitchFamily="65" charset="-120"/>
+              </a:rPr>
+              <a:t>聖經教導</a:t>
+            </a:r>
+            <a:r>
+              <a:rPr lang="zh-TW" altLang="zh-TW" sz="6400" b="1" dirty="0" smtClean="0">
+                <a:solidFill>
+                  <a:srgbClr val="FF0000"/>
+                </a:solidFill>
+                <a:latin typeface="標楷體" pitchFamily="65" charset="-120"/>
+                <a:ea typeface="標楷體" pitchFamily="65" charset="-120"/>
+              </a:rPr>
+              <a:t>人</a:t>
+            </a:r>
+            <a:r>
+              <a:rPr lang="en-US" altLang="zh-TW" sz="6400" b="1" dirty="0" smtClean="0">
+                <a:solidFill>
+                  <a:srgbClr val="FF0000"/>
+                </a:solidFill>
+                <a:latin typeface="標楷體" pitchFamily="65" charset="-120"/>
+                <a:ea typeface="標楷體" pitchFamily="65" charset="-120"/>
+              </a:rPr>
+              <a:t> </a:t>
+            </a:r>
+          </a:p>
+          <a:p>
+            <a:pPr algn="ctr"/>
+            <a:r>
+              <a:rPr lang="zh-TW" altLang="zh-TW" sz="6400" b="1" dirty="0" smtClean="0">
+                <a:solidFill>
+                  <a:srgbClr val="FF0000"/>
+                </a:solidFill>
+                <a:latin typeface="標楷體" pitchFamily="65" charset="-120"/>
+                <a:ea typeface="標楷體" pitchFamily="65" charset="-120"/>
+              </a:rPr>
+              <a:t>老年人</a:t>
+            </a:r>
+            <a:r>
+              <a:rPr lang="en-US" altLang="zh-TW" sz="6400" b="1" dirty="0" smtClean="0">
+                <a:solidFill>
+                  <a:srgbClr val="FF0000"/>
+                </a:solidFill>
+                <a:latin typeface="標楷體" pitchFamily="65" charset="-120"/>
+                <a:ea typeface="標楷體" pitchFamily="65" charset="-120"/>
+              </a:rPr>
+              <a:t> </a:t>
+            </a:r>
+            <a:r>
+              <a:rPr lang="zh-TW" altLang="zh-TW" sz="6400" b="1" dirty="0" smtClean="0">
+                <a:solidFill>
+                  <a:srgbClr val="FF0000"/>
+                </a:solidFill>
+                <a:latin typeface="標楷體" pitchFamily="65" charset="-120"/>
+                <a:ea typeface="標楷體" pitchFamily="65" charset="-120"/>
+              </a:rPr>
+              <a:t>少年人</a:t>
+            </a:r>
+            <a:r>
+              <a:rPr lang="en-US" altLang="zh-TW" sz="6400" b="1" dirty="0" smtClean="0">
+                <a:solidFill>
+                  <a:srgbClr val="FF0000"/>
+                </a:solidFill>
+                <a:latin typeface="標楷體" pitchFamily="65" charset="-120"/>
+                <a:ea typeface="標楷體" pitchFamily="65" charset="-120"/>
+              </a:rPr>
+              <a:t> </a:t>
+            </a:r>
+            <a:r>
+              <a:rPr lang="zh-TW" altLang="zh-TW" sz="6400" b="1" dirty="0" smtClean="0">
+                <a:solidFill>
+                  <a:srgbClr val="FF0000"/>
+                </a:solidFill>
+                <a:latin typeface="標楷體" pitchFamily="65" charset="-120"/>
+                <a:ea typeface="標楷體" pitchFamily="65" charset="-120"/>
+              </a:rPr>
+              <a:t>來</a:t>
+            </a:r>
+            <a:r>
+              <a:rPr lang="zh-TW" altLang="zh-TW" sz="6400" b="1" dirty="0">
+                <a:solidFill>
+                  <a:srgbClr val="FF0000"/>
+                </a:solidFill>
+                <a:latin typeface="標楷體" pitchFamily="65" charset="-120"/>
+                <a:ea typeface="標楷體" pitchFamily="65" charset="-120"/>
+              </a:rPr>
+              <a:t>與真理</a:t>
+            </a:r>
+            <a:r>
+              <a:rPr lang="zh-TW" altLang="zh-TW" sz="6400" b="1" dirty="0" smtClean="0">
+                <a:solidFill>
+                  <a:srgbClr val="FF0000"/>
+                </a:solidFill>
+                <a:latin typeface="標楷體" pitchFamily="65" charset="-120"/>
+                <a:ea typeface="標楷體" pitchFamily="65" charset="-120"/>
+              </a:rPr>
+              <a:t>親近</a:t>
+            </a:r>
+            <a:endParaRPr lang="en-US" altLang="zh-TW" sz="6400" b="1" dirty="0">
+              <a:solidFill>
+                <a:srgbClr val="FF0000"/>
+              </a:solidFill>
+              <a:latin typeface="標楷體" pitchFamily="65" charset="-120"/>
+              <a:ea typeface="標楷體" pitchFamily="65" charset="-120"/>
+            </a:endParaRPr>
+          </a:p>
+          <a:p>
+            <a:pPr algn="ctr"/>
+            <a:r>
+              <a:rPr lang="zh-TW" altLang="zh-TW" sz="6400" b="1" dirty="0" smtClean="0">
+                <a:solidFill>
+                  <a:srgbClr val="FF0000"/>
+                </a:solidFill>
+                <a:latin typeface="標楷體" pitchFamily="65" charset="-120"/>
+                <a:ea typeface="標楷體" pitchFamily="65" charset="-120"/>
+              </a:rPr>
+              <a:t>兄</a:t>
+            </a:r>
+            <a:r>
+              <a:rPr lang="zh-TW" altLang="zh-TW" sz="6400" b="1" dirty="0">
+                <a:solidFill>
+                  <a:srgbClr val="FF0000"/>
+                </a:solidFill>
+                <a:latin typeface="標楷體" pitchFamily="65" charset="-120"/>
+                <a:ea typeface="標楷體" pitchFamily="65" charset="-120"/>
+              </a:rPr>
+              <a:t>弟妹相關</a:t>
+            </a:r>
+            <a:r>
+              <a:rPr lang="zh-TW" altLang="zh-TW" sz="6400" b="1" dirty="0" smtClean="0">
+                <a:solidFill>
+                  <a:srgbClr val="FF0000"/>
+                </a:solidFill>
+                <a:latin typeface="標楷體" pitchFamily="65" charset="-120"/>
+                <a:ea typeface="標楷體" pitchFamily="65" charset="-120"/>
+              </a:rPr>
+              <a:t>心</a:t>
+            </a:r>
+            <a:r>
+              <a:rPr lang="en-US" altLang="zh-TW" sz="6400" b="1" dirty="0" smtClean="0">
+                <a:solidFill>
+                  <a:srgbClr val="FF0000"/>
+                </a:solidFill>
+                <a:latin typeface="標楷體" pitchFamily="65" charset="-120"/>
+                <a:ea typeface="標楷體" pitchFamily="65" charset="-120"/>
+              </a:rPr>
+              <a:t> </a:t>
+            </a:r>
+            <a:r>
+              <a:rPr lang="zh-TW" altLang="zh-TW" sz="6400" b="1" dirty="0" smtClean="0">
+                <a:solidFill>
+                  <a:srgbClr val="FF0000"/>
+                </a:solidFill>
+                <a:latin typeface="標楷體" pitchFamily="65" charset="-120"/>
+                <a:ea typeface="標楷體" pitchFamily="65" charset="-120"/>
+              </a:rPr>
+              <a:t>齊</a:t>
+            </a:r>
+            <a:r>
+              <a:rPr lang="zh-TW" altLang="zh-TW" sz="6400" b="1" dirty="0">
+                <a:solidFill>
+                  <a:srgbClr val="FF0000"/>
+                </a:solidFill>
+                <a:latin typeface="標楷體" pitchFamily="65" charset="-120"/>
+                <a:ea typeface="標楷體" pitchFamily="65" charset="-120"/>
+              </a:rPr>
+              <a:t>勉勵見</a:t>
+            </a:r>
+            <a:r>
+              <a:rPr lang="zh-TW" altLang="zh-TW" sz="6400" b="1" dirty="0" smtClean="0">
+                <a:solidFill>
+                  <a:srgbClr val="FF0000"/>
+                </a:solidFill>
+                <a:latin typeface="標楷體" pitchFamily="65" charset="-120"/>
+                <a:ea typeface="標楷體" pitchFamily="65" charset="-120"/>
+              </a:rPr>
+              <a:t>真心</a:t>
+            </a:r>
+            <a:endParaRPr lang="en-US" altLang="zh-TW" sz="6400" b="1" dirty="0" smtClean="0">
+              <a:solidFill>
+                <a:srgbClr val="FF0000"/>
+              </a:solidFill>
+              <a:latin typeface="標楷體" pitchFamily="65" charset="-120"/>
+              <a:ea typeface="標楷體" pitchFamily="65" charset="-120"/>
+            </a:endParaRPr>
+          </a:p>
+          <a:p>
+            <a:pPr algn="ctr"/>
+            <a:r>
+              <a:rPr lang="zh-TW" altLang="zh-TW" sz="6400" b="1" dirty="0" smtClean="0">
+                <a:solidFill>
+                  <a:srgbClr val="FF0000"/>
+                </a:solidFill>
+                <a:latin typeface="標楷體" pitchFamily="65" charset="-120"/>
+                <a:ea typeface="標楷體" pitchFamily="65" charset="-120"/>
+              </a:rPr>
+              <a:t>一起</a:t>
+            </a:r>
+            <a:r>
+              <a:rPr lang="zh-TW" altLang="zh-TW" sz="6400" b="1" dirty="0">
+                <a:solidFill>
+                  <a:srgbClr val="FF0000"/>
+                </a:solidFill>
+                <a:latin typeface="標楷體" pitchFamily="65" charset="-120"/>
+                <a:ea typeface="標楷體" pitchFamily="65" charset="-120"/>
+              </a:rPr>
+              <a:t>哼出歡樂</a:t>
+            </a:r>
+            <a:r>
+              <a:rPr lang="zh-TW" altLang="zh-TW" sz="6400" b="1" dirty="0" smtClean="0">
+                <a:solidFill>
+                  <a:srgbClr val="FF0000"/>
+                </a:solidFill>
+                <a:latin typeface="標楷體" pitchFamily="65" charset="-120"/>
+                <a:ea typeface="標楷體" pitchFamily="65" charset="-120"/>
+              </a:rPr>
+              <a:t>音韻</a:t>
+            </a:r>
+            <a:endParaRPr lang="zh-TW" altLang="en-US" sz="6400" b="1" dirty="0">
+              <a:solidFill>
+                <a:srgbClr val="FF0000"/>
+              </a:solidFill>
+              <a:latin typeface="標楷體" pitchFamily="65" charset="-120"/>
+              <a:ea typeface="標楷體" pitchFamily="65" charset="-120"/>
+            </a:endParaRPr>
+          </a:p>
+        </p:txBody>
+      </p:sp>
+      <p:sp>
+        <p:nvSpPr>
+          <p:cNvPr id="43011" name="矩形 2"/>
+          <p:cNvSpPr>
+            <a:spLocks noChangeArrowheads="1"/>
+          </p:cNvSpPr>
+          <p:nvPr/>
+        </p:nvSpPr>
+        <p:spPr bwMode="auto">
+          <a:xfrm>
+            <a:off x="-5768" y="164638"/>
+            <a:ext cx="12192000" cy="1025921"/>
+          </a:xfrm>
+          <a:prstGeom prst="rect">
+            <a:avLst/>
+          </a:prstGeom>
+          <a:noFill/>
+          <a:ln w="9525">
+            <a:noFill/>
+            <a:miter lim="800000"/>
+            <a:headEnd/>
+            <a:tailEnd/>
+          </a:ln>
+        </p:spPr>
+        <p:txBody>
+          <a:bodyPr wrap="square" lIns="121917" tIns="60958" rIns="121917" bIns="60958">
+            <a:spAutoFit/>
+          </a:bodyPr>
+          <a:lstStyle/>
+          <a:p>
+            <a:pPr algn="ctr"/>
+            <a:r>
+              <a:rPr lang="zh-TW" altLang="zh-TW" sz="5900" b="1" dirty="0" smtClean="0">
+                <a:solidFill>
+                  <a:srgbClr val="FF0000"/>
+                </a:solidFill>
+                <a:latin typeface="標楷體" pitchFamily="65" charset="-120"/>
+                <a:ea typeface="標楷體" pitchFamily="65" charset="-120"/>
+              </a:rPr>
+              <a:t>主日學</a:t>
+            </a:r>
+            <a:endParaRPr lang="zh-TW" altLang="en-US" sz="5900" b="1" dirty="0">
+              <a:solidFill>
+                <a:srgbClr val="FF0000"/>
+              </a:solidFill>
+              <a:latin typeface="標楷體" pitchFamily="65" charset="-120"/>
+              <a:ea typeface="標楷體" pitchFamily="65" charset="-120"/>
+            </a:endParaRPr>
+          </a:p>
+        </p:txBody>
+      </p:sp>
+    </p:spTree>
+  </p:cSld>
+  <p:clrMapOvr>
+    <a:masterClrMapping/>
+  </p:clrMapOvr>
+  <p:transition/>
+  <p:timing>
+    <p:tnLst>
+      <p:par>
+        <p:cTn id="1" dur="indefinite" restart="never" nodeType="tmRoot"/>
+      </p:par>
+    </p:tnLst>
+  </p:timing>
+</p:sld>
+</file>
+
+<file path=ppt/slides/slide7.xml><?xml version="1.0" encoding="utf-8"?>
+<p:sld xmlns:a="http://schemas.openxmlformats.org/drawingml/2006/main" xmlns:r="http://schemas.openxmlformats.org/officeDocument/2006/relationships" xmlns:p="http://schemas.openxmlformats.org/presentationml/2006/main">
+  <p:cSld>
+    <p:spTree>
+      <p:nvGrpSpPr>
+        <p:cNvPr id="1" name=""/>
+        <p:cNvGrpSpPr/>
+        <p:nvPr/>
+      </p:nvGrpSpPr>
+      <p:grpSpPr>
+        <a:xfrm>
+          <a:off x="0" y="0"/>
+          <a:ext cx="0" cy="0"/>
+          <a:chOff x="0" y="0"/>
+          <a:chExt cx="0" cy="0"/>
+        </a:xfrm>
+      </p:grpSpPr>
+      <p:sp>
+        <p:nvSpPr>
+          <p:cNvPr id="43010" name="矩形 1"/>
+          <p:cNvSpPr>
+            <a:spLocks noChangeArrowheads="1"/>
+          </p:cNvSpPr>
+          <p:nvPr/>
+        </p:nvSpPr>
+        <p:spPr bwMode="auto">
+          <a:xfrm>
+            <a:off x="0" y="1508787"/>
+            <a:ext cx="12186232" cy="3077762"/>
+          </a:xfrm>
+          <a:prstGeom prst="rect">
+            <a:avLst/>
+          </a:prstGeom>
+          <a:noFill/>
+          <a:ln w="9525">
+            <a:noFill/>
+            <a:miter lim="800000"/>
+            <a:headEnd/>
+            <a:tailEnd/>
+          </a:ln>
+        </p:spPr>
+        <p:txBody>
+          <a:bodyPr wrap="square" lIns="121917" tIns="60958" rIns="121917" bIns="60958">
+            <a:spAutoFit/>
+          </a:bodyPr>
+          <a:lstStyle/>
+          <a:p>
+            <a:pPr algn="ctr"/>
+            <a:r>
+              <a:rPr lang="zh-TW" altLang="en-US" sz="6400" b="1" dirty="0">
+                <a:solidFill>
+                  <a:srgbClr val="FF0000"/>
+                </a:solidFill>
+                <a:latin typeface="標楷體" pitchFamily="65" charset="-120"/>
+                <a:ea typeface="標楷體" pitchFamily="65" charset="-120"/>
+              </a:rPr>
+              <a:t>願</a:t>
+            </a:r>
+            <a:r>
+              <a:rPr lang="zh-TW" altLang="en-US" sz="6400" b="1" dirty="0" smtClean="0">
+                <a:solidFill>
+                  <a:srgbClr val="FF0000"/>
+                </a:solidFill>
+                <a:latin typeface="標楷體" pitchFamily="65" charset="-120"/>
+                <a:ea typeface="標楷體" pitchFamily="65" charset="-120"/>
+              </a:rPr>
+              <a:t>意 願意 願意 願</a:t>
+            </a:r>
+            <a:r>
+              <a:rPr lang="zh-TW" altLang="en-US" sz="6400" b="1" dirty="0">
+                <a:solidFill>
+                  <a:srgbClr val="FF0000"/>
+                </a:solidFill>
+                <a:latin typeface="標楷體" pitchFamily="65" charset="-120"/>
+                <a:ea typeface="標楷體" pitchFamily="65" charset="-120"/>
+              </a:rPr>
+              <a:t>意</a:t>
+            </a:r>
+          </a:p>
+          <a:p>
+            <a:pPr algn="ctr"/>
+            <a:r>
+              <a:rPr lang="zh-TW" altLang="en-US" sz="6400" b="1" dirty="0">
+                <a:solidFill>
+                  <a:srgbClr val="FF0000"/>
+                </a:solidFill>
+                <a:latin typeface="標楷體" pitchFamily="65" charset="-120"/>
+                <a:ea typeface="標楷體" pitchFamily="65" charset="-120"/>
+              </a:rPr>
+              <a:t>聽祂愛的教訓</a:t>
+            </a:r>
+          </a:p>
+          <a:p>
+            <a:pPr algn="ctr"/>
+            <a:r>
+              <a:rPr lang="zh-TW" altLang="en-US" sz="6400" b="1" dirty="0">
+                <a:solidFill>
+                  <a:srgbClr val="FF0000"/>
+                </a:solidFill>
+                <a:latin typeface="標楷體" pitchFamily="65" charset="-120"/>
+                <a:ea typeface="標楷體" pitchFamily="65" charset="-120"/>
+              </a:rPr>
+              <a:t>硏究聖經不了解最緊要去問</a:t>
+            </a:r>
+          </a:p>
+        </p:txBody>
+      </p:sp>
+      <p:sp>
+        <p:nvSpPr>
+          <p:cNvPr id="43011" name="矩形 2"/>
+          <p:cNvSpPr>
+            <a:spLocks noChangeArrowheads="1"/>
+          </p:cNvSpPr>
+          <p:nvPr/>
+        </p:nvSpPr>
+        <p:spPr bwMode="auto">
+          <a:xfrm>
+            <a:off x="-5768" y="164638"/>
+            <a:ext cx="12192000" cy="1025921"/>
+          </a:xfrm>
+          <a:prstGeom prst="rect">
+            <a:avLst/>
+          </a:prstGeom>
+          <a:noFill/>
+          <a:ln w="9525">
+            <a:noFill/>
+            <a:miter lim="800000"/>
+            <a:headEnd/>
+            <a:tailEnd/>
+          </a:ln>
+        </p:spPr>
+        <p:txBody>
+          <a:bodyPr wrap="square" lIns="121917" tIns="60958" rIns="121917" bIns="60958">
+            <a:spAutoFit/>
+          </a:bodyPr>
+          <a:lstStyle/>
+          <a:p>
+            <a:pPr algn="ctr"/>
+            <a:r>
+              <a:rPr lang="zh-TW" altLang="zh-TW" sz="5900" b="1" dirty="0" smtClean="0">
+                <a:solidFill>
+                  <a:srgbClr val="FF0000"/>
+                </a:solidFill>
+                <a:latin typeface="標楷體" pitchFamily="65" charset="-120"/>
+                <a:ea typeface="標楷體" pitchFamily="65" charset="-120"/>
+              </a:rPr>
+              <a:t>主日學</a:t>
+            </a:r>
+            <a:endParaRPr lang="zh-TW" altLang="en-US" sz="5900" b="1" dirty="0">
+              <a:solidFill>
+                <a:srgbClr val="FF0000"/>
+              </a:solidFill>
+              <a:latin typeface="標楷體" pitchFamily="65" charset="-120"/>
+              <a:ea typeface="標楷體" pitchFamily="65" charset="-120"/>
+            </a:endParaRPr>
+          </a:p>
+        </p:txBody>
+      </p:sp>
+    </p:spTree>
+    <p:extLst>
+      <p:ext uri="{BB962C8B-B14F-4D97-AF65-F5344CB8AC3E}">
+        <p14:creationId xmlns:p14="http://schemas.microsoft.com/office/powerpoint/2010/main" xmlns="" val="2696121007"/>
+      </p:ext>
+    </p:extLst>
+  </p:cSld>
+  <p:clrMapOvr>
+    <a:masterClrMapping/>
+  </p:clrMapOvr>
+  <p:transition/>
+  <p:timing>
+    <p:tnLst>
+      <p:par>
+        <p:cTn id="1" dur="indefinite" restart="never" nodeType="tmRoot"/>
+      </p:par>
+    </p:tnLst>
+  </p:timing>
+</p:sld>
+</file>
+
+<file path=ppt/slides/slide8.xml><?xml version="1.0" encoding="utf-8"?>
+<p:sld xmlns:a="http://schemas.openxmlformats.org/drawingml/2006/main" xmlns:r="http://schemas.openxmlformats.org/officeDocument/2006/relationships" xmlns:p="http://schemas.openxmlformats.org/presentationml/2006/main">
+  <p:cSld>
+    <p:spTree>
+      <p:nvGrpSpPr>
+        <p:cNvPr id="1" name=""/>
+        <p:cNvGrpSpPr/>
+        <p:nvPr/>
+      </p:nvGrpSpPr>
+      <p:grpSpPr>
+        <a:xfrm>
+          <a:off x="0" y="0"/>
+          <a:ext cx="0" cy="0"/>
+          <a:chOff x="0" y="0"/>
+          <a:chExt cx="0" cy="0"/>
+        </a:xfrm>
+      </p:grpSpPr>
+      <p:sp>
+        <p:nvSpPr>
+          <p:cNvPr id="43010" name="矩形 1"/>
+          <p:cNvSpPr>
+            <a:spLocks noChangeArrowheads="1"/>
+          </p:cNvSpPr>
+          <p:nvPr/>
+        </p:nvSpPr>
+        <p:spPr bwMode="auto">
+          <a:xfrm>
+            <a:off x="-5768" y="1508787"/>
+            <a:ext cx="12192000" cy="3077762"/>
+          </a:xfrm>
+          <a:prstGeom prst="rect">
+            <a:avLst/>
+          </a:prstGeom>
+          <a:noFill/>
+          <a:ln w="9525">
+            <a:noFill/>
+            <a:miter lim="800000"/>
+            <a:headEnd/>
+            <a:tailEnd/>
+          </a:ln>
+        </p:spPr>
+        <p:txBody>
+          <a:bodyPr wrap="square" lIns="121917" tIns="60958" rIns="121917" bIns="60958">
+            <a:spAutoFit/>
+          </a:bodyPr>
+          <a:lstStyle/>
+          <a:p>
+            <a:pPr algn="ctr"/>
+            <a:r>
+              <a:rPr lang="zh-TW" altLang="en-US" sz="6400" b="1" dirty="0">
+                <a:solidFill>
+                  <a:srgbClr val="FF0000"/>
+                </a:solidFill>
+                <a:latin typeface="標楷體" pitchFamily="65" charset="-120"/>
+                <a:ea typeface="標楷體" pitchFamily="65" charset="-120"/>
+              </a:rPr>
+              <a:t>做</a:t>
+            </a:r>
+            <a:r>
+              <a:rPr lang="zh-TW" altLang="en-US" sz="6400" b="1" dirty="0" smtClean="0">
+                <a:solidFill>
+                  <a:srgbClr val="FF0000"/>
+                </a:solidFill>
+                <a:latin typeface="標楷體" pitchFamily="65" charset="-120"/>
+                <a:ea typeface="標楷體" pitchFamily="65" charset="-120"/>
+              </a:rPr>
+              <a:t>個 做個 做個 做</a:t>
+            </a:r>
+            <a:r>
+              <a:rPr lang="zh-TW" altLang="en-US" sz="6400" b="1" dirty="0">
+                <a:solidFill>
+                  <a:srgbClr val="FF0000"/>
+                </a:solidFill>
+                <a:latin typeface="標楷體" pitchFamily="65" charset="-120"/>
+                <a:ea typeface="標楷體" pitchFamily="65" charset="-120"/>
+              </a:rPr>
+              <a:t>個好學生</a:t>
+            </a:r>
+          </a:p>
+          <a:p>
+            <a:pPr algn="ctr"/>
+            <a:r>
+              <a:rPr lang="zh-TW" altLang="en-US" sz="6400" b="1" dirty="0">
+                <a:solidFill>
+                  <a:srgbClr val="FF0000"/>
+                </a:solidFill>
+                <a:latin typeface="標楷體" pitchFamily="65" charset="-120"/>
+                <a:ea typeface="標楷體" pitchFamily="65" charset="-120"/>
+              </a:rPr>
+              <a:t>遵主旨意作快樂人</a:t>
+            </a:r>
+          </a:p>
+          <a:p>
+            <a:pPr algn="ctr"/>
+            <a:r>
+              <a:rPr lang="zh-TW" altLang="en-US" sz="6400" b="1" dirty="0">
+                <a:solidFill>
+                  <a:srgbClr val="FF0000"/>
+                </a:solidFill>
+                <a:latin typeface="標楷體" pitchFamily="65" charset="-120"/>
+                <a:ea typeface="標楷體" pitchFamily="65" charset="-120"/>
+              </a:rPr>
+              <a:t>完全奉獻 </a:t>
+            </a:r>
+            <a:r>
+              <a:rPr lang="zh-TW" altLang="en-US" sz="6400" b="1" dirty="0" smtClean="0">
+                <a:solidFill>
+                  <a:srgbClr val="FF0000"/>
+                </a:solidFill>
+                <a:latin typeface="標楷體" pitchFamily="65" charset="-120"/>
+                <a:ea typeface="標楷體" pitchFamily="65" charset="-120"/>
+              </a:rPr>
+              <a:t>步</a:t>
+            </a:r>
+            <a:r>
+              <a:rPr lang="zh-TW" altLang="en-US" sz="6400" b="1" dirty="0">
+                <a:solidFill>
+                  <a:srgbClr val="FF0000"/>
+                </a:solidFill>
+                <a:latin typeface="標楷體" pitchFamily="65" charset="-120"/>
+                <a:ea typeface="標楷體" pitchFamily="65" charset="-120"/>
+              </a:rPr>
+              <a:t>向永生</a:t>
+            </a:r>
+          </a:p>
+        </p:txBody>
+      </p:sp>
+      <p:sp>
+        <p:nvSpPr>
+          <p:cNvPr id="43011" name="矩形 2"/>
+          <p:cNvSpPr>
+            <a:spLocks noChangeArrowheads="1"/>
+          </p:cNvSpPr>
+          <p:nvPr/>
+        </p:nvSpPr>
+        <p:spPr bwMode="auto">
+          <a:xfrm>
+            <a:off x="-5768" y="164638"/>
+            <a:ext cx="12192000" cy="1025921"/>
+          </a:xfrm>
+          <a:prstGeom prst="rect">
+            <a:avLst/>
+          </a:prstGeom>
+          <a:noFill/>
+          <a:ln w="9525">
+            <a:noFill/>
+            <a:miter lim="800000"/>
+            <a:headEnd/>
+            <a:tailEnd/>
+          </a:ln>
+        </p:spPr>
+        <p:txBody>
+          <a:bodyPr wrap="square" lIns="121917" tIns="60958" rIns="121917" bIns="60958">
+            <a:spAutoFit/>
+          </a:bodyPr>
+          <a:lstStyle/>
+          <a:p>
+            <a:pPr algn="ctr"/>
+            <a:r>
+              <a:rPr lang="zh-TW" altLang="zh-TW" sz="5900" b="1" dirty="0" smtClean="0">
+                <a:solidFill>
+                  <a:srgbClr val="FF0000"/>
+                </a:solidFill>
+                <a:latin typeface="標楷體" pitchFamily="65" charset="-120"/>
+                <a:ea typeface="標楷體" pitchFamily="65" charset="-120"/>
+              </a:rPr>
+              <a:t>主日學</a:t>
+            </a:r>
+            <a:endParaRPr lang="zh-TW" altLang="en-US" sz="5900" b="1" dirty="0">
+              <a:solidFill>
+                <a:srgbClr val="FF0000"/>
+              </a:solidFill>
+              <a:latin typeface="標楷體" pitchFamily="65" charset="-120"/>
+              <a:ea typeface="標楷體" pitchFamily="65" charset="-120"/>
+            </a:endParaRPr>
+          </a:p>
+        </p:txBody>
+      </p:sp>
+    </p:spTree>
+    <p:extLst>
+      <p:ext uri="{BB962C8B-B14F-4D97-AF65-F5344CB8AC3E}">
+        <p14:creationId xmlns:p14="http://schemas.microsoft.com/office/powerpoint/2010/main" xmlns="" val="638720006"/>
+      </p:ext>
+    </p:extLst>
+  </p:cSld>
+  <p:clrMapOvr>
+    <a:masterClrMapping/>
+  </p:clrMapOvr>
+  <p:transition/>
+  <p:timing>
+    <p:tnLst>
+      <p:par>
+        <p:cTn id="1" dur="indefinite" restart="never" nodeType="tmRoot"/>
+      </p:par>
+    </p:tnLst>
+  </p:timing>
 </p:sld>
 </file>
 
@@ -4690,4 +8438,287 @@
   <a:objectDefaults/>
   <a:extraClrSchemeLst/>
 </a:theme>
+</file>
+
+<file path=ppt/theme/theme2.xml><?xml version="1.0" encoding="utf-8"?>
+<a:theme xmlns:a="http://schemas.openxmlformats.org/drawingml/2006/main" name="佈景主題4">
+  <a:themeElements>
+    <a:clrScheme name="Office">
+      <a:dk1>
+        <a:sysClr val="windowText" lastClr="000000"/>
+      </a:dk1>
+      <a:lt1>
+        <a:sysClr val="window" lastClr="FFFFFF"/>
+      </a:lt1>
+      <a:dk2>
+        <a:srgbClr val="1F497D"/>
+      </a:dk2>
+      <a:lt2>
+        <a:srgbClr val="EEECE1"/>
+      </a:lt2>
+      <a:accent1>
+        <a:srgbClr val="4F81BD"/>
+      </a:accent1>
+      <a:accent2>
+        <a:srgbClr val="C0504D"/>
+      </a:accent2>
+      <a:accent3>
+        <a:srgbClr val="9BBB59"/>
+      </a:accent3>
+      <a:accent4>
+        <a:srgbClr val="8064A2"/>
+      </a:accent4>
+      <a:accent5>
+        <a:srgbClr val="4BACC6"/>
+      </a:accent5>
+      <a:accent6>
+        <a:srgbClr val="F79646"/>
+      </a:accent6>
+      <a:hlink>
+        <a:srgbClr val="0000FF"/>
+      </a:hlink>
+      <a:folHlink>
+        <a:srgbClr val="800080"/>
+      </a:folHlink>
+    </a:clrScheme>
+    <a:fontScheme name="Office">
+      <a:majorFont>
+        <a:latin typeface="Calibri"/>
+        <a:ea typeface=""/>
+        <a:cs typeface=""/>
+        <a:font script="Jpan" typeface="ＭＳ Ｐゴシック"/>
+        <a:font script="Hang" typeface="맑은 고딕"/>
+        <a:font script="Hans" typeface="宋体"/>
+        <a:font script="Hant" typeface="新細明體"/>
+        <a:font script="Arab" typeface="Times New Roman"/>
+        <a:font script="Hebr" typeface="Times New Roman"/>
+        <a:font script="Thai" typeface="Angsana New"/>
+        <a:font script="Ethi" typeface="Nyala"/>
+        <a:font script="Beng" typeface="Vrinda"/>
+        <a:font script="Gujr" typeface="Shruti"/>
+        <a:font script="Khmr" typeface="MoolBoran"/>
+        <a:font script="Knda" typeface="Tunga"/>
+        <a:font script="Guru" typeface="Raavi"/>
+        <a:font script="Cans" typeface="Euphemia"/>
+        <a:font script="Cher" typeface="Plantagenet Cherokee"/>
+        <a:font script="Yiii" typeface="Microsoft Yi Baiti"/>
+        <a:font script="Tibt" typeface="Microsoft Himalaya"/>
+        <a:font script="Thaa" typeface="MV Boli"/>
+        <a:font script="Deva" typeface="Mangal"/>
+        <a:font script="Telu" typeface="Gautami"/>
+        <a:font script="Taml" typeface="Latha"/>
+        <a:font script="Syrc" typeface="Estrangelo Edessa"/>
+        <a:font script="Orya" typeface="Kalinga"/>
+        <a:font script="Mlym" typeface="Kartika"/>
+        <a:font script="Laoo" typeface="DokChampa"/>
+        <a:font script="Sinh" typeface="Iskoola Pota"/>
+        <a:font script="Mong" typeface="Mongolian Baiti"/>
+        <a:font script="Viet" typeface="Times New Roman"/>
+        <a:font script="Uigh" typeface="Microsoft Uighur"/>
+      </a:majorFont>
+      <a:minorFont>
+        <a:latin typeface="Calibri"/>
+        <a:ea typeface=""/>
+        <a:cs typeface=""/>
+        <a:font script="Jpan" typeface="ＭＳ Ｐゴシック"/>
+        <a:font script="Hang" typeface="맑은 고딕"/>
+        <a:font script="Hans" typeface="宋体"/>
+        <a:font script="Hant" typeface="新細明體"/>
+        <a:font script="Arab" typeface="Arial"/>
+        <a:font script="Hebr" typeface="Arial"/>
+        <a:font script="Thai" typeface="Cordia New"/>
+        <a:font script="Ethi" typeface="Nyala"/>
+        <a:font script="Beng" typeface="Vrinda"/>
+        <a:font script="Gujr" typeface="Shruti"/>
+        <a:font script="Khmr" typeface="DaunPenh"/>
+        <a:font script="Knda" typeface="Tunga"/>
+        <a:font script="Guru" typeface="Raavi"/>
+        <a:font script="Cans" typeface="Euphemia"/>
+        <a:font script="Cher" typeface="Plantagenet Cherokee"/>
+        <a:font script="Yiii" typeface="Microsoft Yi Baiti"/>
+        <a:font script="Tibt" typeface="Microsoft Himalaya"/>
+        <a:font script="Thaa" typeface="MV Boli"/>
+        <a:font script="Deva" typeface="Mangal"/>
+        <a:font script="Telu" typeface="Gautami"/>
+        <a:font script="Taml" typeface="Latha"/>
+        <a:font script="Syrc" typeface="Estrangelo Edessa"/>
+        <a:font script="Orya" typeface="Kalinga"/>
+        <a:font script="Mlym" typeface="Kartika"/>
+        <a:font script="Laoo" typeface="DokChampa"/>
+        <a:font script="Sinh" typeface="Iskoola Pota"/>
+        <a:font script="Mong" typeface="Mongolian Baiti"/>
+        <a:font script="Viet" typeface="Arial"/>
+        <a:font script="Uigh" typeface="Microsoft Uighur"/>
+      </a:minorFont>
+    </a:fontScheme>
+    <a:fmtScheme name="Office">
+      <a:fillStyleLst>
+        <a:solidFill>
+          <a:schemeClr val="phClr"/>
+        </a:solidFill>
+        <a:gradFill rotWithShape="1">
+          <a:gsLst>
+            <a:gs pos="0">
+              <a:schemeClr val="phClr">
+                <a:tint val="50000"/>
+                <a:satMod val="300000"/>
+              </a:schemeClr>
+            </a:gs>
+            <a:gs pos="35000">
+              <a:schemeClr val="phClr">
+                <a:tint val="37000"/>
+                <a:satMod val="300000"/>
+              </a:schemeClr>
+            </a:gs>
+            <a:gs pos="100000">
+              <a:schemeClr val="phClr">
+                <a:tint val="15000"/>
+                <a:satMod val="350000"/>
+              </a:schemeClr>
+            </a:gs>
+          </a:gsLst>
+          <a:lin ang="16200000" scaled="1"/>
+        </a:gradFill>
+        <a:gradFill rotWithShape="1">
+          <a:gsLst>
+            <a:gs pos="0">
+              <a:schemeClr val="phClr">
+                <a:shade val="51000"/>
+                <a:satMod val="130000"/>
+              </a:schemeClr>
+            </a:gs>
+            <a:gs pos="80000">
+              <a:schemeClr val="phClr">
+                <a:shade val="93000"/>
+                <a:satMod val="130000"/>
+              </a:schemeClr>
+            </a:gs>
+            <a:gs pos="100000">
+              <a:schemeClr val="phClr">
+                <a:shade val="94000"/>
+                <a:satMod val="135000"/>
+              </a:schemeClr>
+            </a:gs>
+          </a:gsLst>
+          <a:lin ang="16200000" scaled="0"/>
+        </a:gradFill>
+      </a:fillStyleLst>
+      <a:lnStyleLst>
+        <a:ln w="9525" cap="flat" cmpd="sng" algn="ctr">
+          <a:solidFill>
+            <a:schemeClr val="phClr">
+              <a:shade val="95000"/>
+              <a:satMod val="105000"/>
+            </a:schemeClr>
+          </a:solidFill>
+          <a:prstDash val="solid"/>
+        </a:ln>
+        <a:ln w="25400" cap="flat" cmpd="sng" algn="ctr">
+          <a:solidFill>
+            <a:schemeClr val="phClr"/>
+          </a:solidFill>
+          <a:prstDash val="solid"/>
+        </a:ln>
+        <a:ln w="38100" cap="flat" cmpd="sng" algn="ctr">
+          <a:solidFill>
+            <a:schemeClr val="phClr"/>
+          </a:solidFill>
+          <a:prstDash val="solid"/>
+        </a:ln>
+      </a:lnStyleLst>
+      <a:effectStyleLst>
+        <a:effectStyle>
+          <a:effectLst>
+            <a:outerShdw blurRad="40000" dist="20000" dir="5400000" rotWithShape="0">
+              <a:srgbClr val="000000">
+                <a:alpha val="38000"/>
+              </a:srgbClr>
+            </a:outerShdw>
+          </a:effectLst>
+        </a:effectStyle>
+        <a:effectStyle>
+          <a:effectLst>
+            <a:outerShdw blurRad="40000" dist="23000" dir="5400000" rotWithShape="0">
+              <a:srgbClr val="000000">
+                <a:alpha val="35000"/>
+              </a:srgbClr>
+            </a:outerShdw>
+          </a:effectLst>
+        </a:effectStyle>
+        <a:effectStyle>
+          <a:effectLst>
+            <a:outerShdw blurRad="40000" dist="23000" dir="5400000" rotWithShape="0">
+              <a:srgbClr val="000000">
+                <a:alpha val="35000"/>
+              </a:srgbClr>
+            </a:outerShdw>
+          </a:effectLst>
+          <a:scene3d>
+            <a:camera prst="orthographicFront">
+              <a:rot lat="0" lon="0" rev="0"/>
+            </a:camera>
+            <a:lightRig rig="threePt" dir="t">
+              <a:rot lat="0" lon="0" rev="1200000"/>
+            </a:lightRig>
+          </a:scene3d>
+          <a:sp3d>
+            <a:bevelT w="63500" h="25400"/>
+          </a:sp3d>
+        </a:effectStyle>
+      </a:effectStyleLst>
+      <a:bgFillStyleLst>
+        <a:solidFill>
+          <a:schemeClr val="phClr"/>
+        </a:solidFill>
+        <a:gradFill rotWithShape="1">
+          <a:gsLst>
+            <a:gs pos="0">
+              <a:schemeClr val="phClr">
+                <a:tint val="40000"/>
+                <a:satMod val="350000"/>
+              </a:schemeClr>
+            </a:gs>
+            <a:gs pos="40000">
+              <a:schemeClr val="phClr">
+                <a:tint val="45000"/>
+                <a:shade val="99000"/>
+                <a:satMod val="350000"/>
+              </a:schemeClr>
+            </a:gs>
+            <a:gs pos="100000">
+              <a:schemeClr val="phClr">
+                <a:shade val="20000"/>
+                <a:satMod val="255000"/>
+              </a:schemeClr>
+            </a:gs>
+          </a:gsLst>
+          <a:path path="circle">
+            <a:fillToRect l="50000" t="-80000" r="50000" b="180000"/>
+          </a:path>
+        </a:gradFill>
+        <a:gradFill rotWithShape="1">
+          <a:gsLst>
+            <a:gs pos="0">
+              <a:schemeClr val="phClr">
+                <a:tint val="80000"/>
+                <a:satMod val="300000"/>
+              </a:schemeClr>
+            </a:gs>
+            <a:gs pos="100000">
+              <a:schemeClr val="phClr">
+                <a:shade val="30000"/>
+                <a:satMod val="200000"/>
+              </a:schemeClr>
+            </a:gs>
+          </a:gsLst>
+          <a:path path="circle">
+            <a:fillToRect l="50000" t="50000" r="50000" b="50000"/>
+          </a:path>
+        </a:gradFill>
+      </a:bgFillStyleLst>
+    </a:fmtScheme>
+  </a:themeElements>
+  <a:objectDefaults/>
+  <a:extraClrSchemeLst/>
+</a:theme>
 </file>